--- a/web/g22/status/Status6.pptx
+++ b/web/g22/status/Status6.pptx
@@ -5,16 +5,17 @@
     <p:sldMasterId id="2147483648" r:id="rId1"/>
   </p:sldMasterIdLst>
   <p:notesMasterIdLst>
-    <p:notesMasterId r:id="rId6"/>
+    <p:notesMasterId r:id="rId7"/>
   </p:notesMasterIdLst>
   <p:handoutMasterIdLst>
-    <p:handoutMasterId r:id="rId7"/>
+    <p:handoutMasterId r:id="rId8"/>
   </p:handoutMasterIdLst>
   <p:sldIdLst>
     <p:sldId id="383" r:id="rId2"/>
     <p:sldId id="389" r:id="rId3"/>
-    <p:sldId id="386" r:id="rId4"/>
-    <p:sldId id="390" r:id="rId5"/>
+    <p:sldId id="390" r:id="rId4"/>
+    <p:sldId id="391" r:id="rId5"/>
+    <p:sldId id="386" r:id="rId6"/>
   </p:sldIdLst>
   <p:sldSz cx="9144000" cy="6858000" type="screen4x3"/>
   <p:notesSz cx="7099300" cy="10234613"/>
@@ -150,8 +151,9 @@
           <p14:sldIdLst>
             <p14:sldId id="383"/>
             <p14:sldId id="389"/>
+            <p14:sldId id="390"/>
+            <p14:sldId id="391"/>
             <p14:sldId id="386"/>
-            <p14:sldId id="390"/>
           </p14:sldIdLst>
         </p14:section>
       </p14:sectionLst>
@@ -2008,7 +2010,7 @@
     </p:spTree>
     <p:extLst>
       <p:ext uri="{BB962C8B-B14F-4D97-AF65-F5344CB8AC3E}">
-        <p14:creationId xmlns:p14="http://schemas.microsoft.com/office/powerpoint/2010/main" val="2666246785"/>
+        <p14:creationId xmlns:p14="http://schemas.microsoft.com/office/powerpoint/2010/main" val="893335740"/>
       </p:ext>
     </p:extLst>
   </p:cSld>
@@ -2285,7 +2287,284 @@
     </p:spTree>
     <p:extLst>
       <p:ext uri="{BB962C8B-B14F-4D97-AF65-F5344CB8AC3E}">
-        <p14:creationId xmlns:p14="http://schemas.microsoft.com/office/powerpoint/2010/main" val="893335740"/>
+        <p14:creationId xmlns:p14="http://schemas.microsoft.com/office/powerpoint/2010/main" val="183761409"/>
+      </p:ext>
+    </p:extLst>
+  </p:cSld>
+  <p:clrMapOvr>
+    <a:masterClrMapping/>
+  </p:clrMapOvr>
+</p:notes>
+</file>
+
+<file path=ppt/notesSlides/notesSlide5.xml><?xml version="1.0" encoding="utf-8"?>
+<p:notes xmlns:a="http://schemas.openxmlformats.org/drawingml/2006/main" xmlns:r="http://schemas.openxmlformats.org/officeDocument/2006/relationships" xmlns:p="http://schemas.openxmlformats.org/presentationml/2006/main">
+  <p:cSld>
+    <p:spTree>
+      <p:nvGrpSpPr>
+        <p:cNvPr id="1" name=""/>
+        <p:cNvGrpSpPr/>
+        <p:nvPr/>
+      </p:nvGrpSpPr>
+      <p:grpSpPr>
+        <a:xfrm>
+          <a:off x="0" y="0"/>
+          <a:ext cx="0" cy="0"/>
+          <a:chOff x="0" y="0"/>
+          <a:chExt cx="0" cy="0"/>
+        </a:xfrm>
+      </p:grpSpPr>
+      <p:sp>
+        <p:nvSpPr>
+          <p:cNvPr id="22530" name="Rectangle 7"/>
+          <p:cNvSpPr>
+            <a:spLocks noGrp="1" noChangeArrowheads="1"/>
+          </p:cNvSpPr>
+          <p:nvPr>
+            <p:ph type="sldNum" sz="quarter" idx="5"/>
+          </p:nvPr>
+        </p:nvSpPr>
+        <p:spPr>
+          <a:noFill/>
+          <a:ln/>
+          <a:extLst>
+            <a:ext uri="{909E8E84-426E-40DD-AFC4-6F175D3DCCD1}">
+              <a14:hiddenFill xmlns:a14="http://schemas.microsoft.com/office/drawing/2010/main">
+                <a:solidFill>
+                  <a:srgbClr val="FFFFFF"/>
+                </a:solidFill>
+              </a14:hiddenFill>
+            </a:ext>
+            <a:ext uri="{91240B29-F687-4F45-9708-019B960494DF}">
+              <a14:hiddenLine xmlns:a14="http://schemas.microsoft.com/office/drawing/2010/main" w="9525">
+                <a:solidFill>
+                  <a:srgbClr val="000000"/>
+                </a:solidFill>
+                <a:miter lim="800000"/>
+                <a:headEnd/>
+                <a:tailEnd/>
+              </a14:hiddenLine>
+            </a:ext>
+          </a:extLst>
+        </p:spPr>
+        <p:txBody>
+          <a:bodyPr/>
+          <a:lstStyle>
+            <a:lvl1pPr defTabSz="990528" eaLnBrk="0" hangingPunct="0">
+              <a:spcBef>
+                <a:spcPct val="30000"/>
+              </a:spcBef>
+              <a:defRPr sz="1200">
+                <a:solidFill>
+                  <a:schemeClr val="tx1"/>
+                </a:solidFill>
+                <a:latin typeface="Times New Roman" pitchFamily="18" charset="0"/>
+                <a:ea typeface="ＭＳ Ｐゴシック" pitchFamily="34" charset="-128"/>
+              </a:defRPr>
+            </a:lvl1pPr>
+            <a:lvl2pPr marL="742897" indent="-285730" defTabSz="990528" eaLnBrk="0" hangingPunct="0">
+              <a:spcBef>
+                <a:spcPct val="30000"/>
+              </a:spcBef>
+              <a:defRPr sz="1200">
+                <a:solidFill>
+                  <a:schemeClr val="tx1"/>
+                </a:solidFill>
+                <a:latin typeface="Times New Roman" pitchFamily="18" charset="0"/>
+                <a:ea typeface="ＭＳ Ｐゴシック" pitchFamily="34" charset="-128"/>
+              </a:defRPr>
+            </a:lvl2pPr>
+            <a:lvl3pPr marL="1142918" indent="-228584" defTabSz="990528" eaLnBrk="0" hangingPunct="0">
+              <a:spcBef>
+                <a:spcPct val="30000"/>
+              </a:spcBef>
+              <a:defRPr sz="1200">
+                <a:solidFill>
+                  <a:schemeClr val="tx1"/>
+                </a:solidFill>
+                <a:latin typeface="Times New Roman" pitchFamily="18" charset="0"/>
+                <a:ea typeface="ＭＳ Ｐゴシック" pitchFamily="34" charset="-128"/>
+              </a:defRPr>
+            </a:lvl3pPr>
+            <a:lvl4pPr marL="1600085" indent="-228584" defTabSz="990528" eaLnBrk="0" hangingPunct="0">
+              <a:spcBef>
+                <a:spcPct val="30000"/>
+              </a:spcBef>
+              <a:defRPr sz="1200">
+                <a:solidFill>
+                  <a:schemeClr val="tx1"/>
+                </a:solidFill>
+                <a:latin typeface="Times New Roman" pitchFamily="18" charset="0"/>
+                <a:ea typeface="ＭＳ Ｐゴシック" pitchFamily="34" charset="-128"/>
+              </a:defRPr>
+            </a:lvl4pPr>
+            <a:lvl5pPr marL="2057252" indent="-228584" defTabSz="990528" eaLnBrk="0" hangingPunct="0">
+              <a:spcBef>
+                <a:spcPct val="30000"/>
+              </a:spcBef>
+              <a:defRPr sz="1200">
+                <a:solidFill>
+                  <a:schemeClr val="tx1"/>
+                </a:solidFill>
+                <a:latin typeface="Times New Roman" pitchFamily="18" charset="0"/>
+                <a:ea typeface="ＭＳ Ｐゴシック" pitchFamily="34" charset="-128"/>
+              </a:defRPr>
+            </a:lvl5pPr>
+            <a:lvl6pPr marL="2514419" indent="-228584" defTabSz="990528" eaLnBrk="0" fontAlgn="base" hangingPunct="0">
+              <a:spcBef>
+                <a:spcPct val="30000"/>
+              </a:spcBef>
+              <a:spcAft>
+                <a:spcPct val="0"/>
+              </a:spcAft>
+              <a:defRPr sz="1200">
+                <a:solidFill>
+                  <a:schemeClr val="tx1"/>
+                </a:solidFill>
+                <a:latin typeface="Times New Roman" pitchFamily="18" charset="0"/>
+                <a:ea typeface="ＭＳ Ｐゴシック" pitchFamily="34" charset="-128"/>
+              </a:defRPr>
+            </a:lvl6pPr>
+            <a:lvl7pPr marL="2971585" indent="-228584" defTabSz="990528" eaLnBrk="0" fontAlgn="base" hangingPunct="0">
+              <a:spcBef>
+                <a:spcPct val="30000"/>
+              </a:spcBef>
+              <a:spcAft>
+                <a:spcPct val="0"/>
+              </a:spcAft>
+              <a:defRPr sz="1200">
+                <a:solidFill>
+                  <a:schemeClr val="tx1"/>
+                </a:solidFill>
+                <a:latin typeface="Times New Roman" pitchFamily="18" charset="0"/>
+                <a:ea typeface="ＭＳ Ｐゴシック" pitchFamily="34" charset="-128"/>
+              </a:defRPr>
+            </a:lvl7pPr>
+            <a:lvl8pPr marL="3428752" indent="-228584" defTabSz="990528" eaLnBrk="0" fontAlgn="base" hangingPunct="0">
+              <a:spcBef>
+                <a:spcPct val="30000"/>
+              </a:spcBef>
+              <a:spcAft>
+                <a:spcPct val="0"/>
+              </a:spcAft>
+              <a:defRPr sz="1200">
+                <a:solidFill>
+                  <a:schemeClr val="tx1"/>
+                </a:solidFill>
+                <a:latin typeface="Times New Roman" pitchFamily="18" charset="0"/>
+                <a:ea typeface="ＭＳ Ｐゴシック" pitchFamily="34" charset="-128"/>
+              </a:defRPr>
+            </a:lvl8pPr>
+            <a:lvl9pPr marL="3885919" indent="-228584" defTabSz="990528" eaLnBrk="0" fontAlgn="base" hangingPunct="0">
+              <a:spcBef>
+                <a:spcPct val="30000"/>
+              </a:spcBef>
+              <a:spcAft>
+                <a:spcPct val="0"/>
+              </a:spcAft>
+              <a:defRPr sz="1200">
+                <a:solidFill>
+                  <a:schemeClr val="tx1"/>
+                </a:solidFill>
+                <a:latin typeface="Times New Roman" pitchFamily="18" charset="0"/>
+                <a:ea typeface="ＭＳ Ｐゴシック" pitchFamily="34" charset="-128"/>
+              </a:defRPr>
+            </a:lvl9pPr>
+          </a:lstStyle>
+          <a:p>
+            <a:pPr eaLnBrk="1" hangingPunct="1">
+              <a:spcBef>
+                <a:spcPct val="0"/>
+              </a:spcBef>
+            </a:pPr>
+            <a:fld id="{392CB419-FA32-4238-A473-EBED58FF00DE}" type="slidenum">
+              <a:rPr lang="da-DK" altLang="da-DK" sz="1300">
+                <a:solidFill>
+                  <a:srgbClr val="CC0000"/>
+                </a:solidFill>
+              </a:rPr>
+              <a:pPr eaLnBrk="1" hangingPunct="1">
+                <a:spcBef>
+                  <a:spcPct val="0"/>
+                </a:spcBef>
+              </a:pPr>
+              <a:t>5</a:t>
+            </a:fld>
+            <a:endParaRPr lang="da-DK" altLang="da-DK" sz="1300">
+              <a:solidFill>
+                <a:srgbClr val="CC0000"/>
+              </a:solidFill>
+            </a:endParaRPr>
+          </a:p>
+        </p:txBody>
+      </p:sp>
+      <p:sp>
+        <p:nvSpPr>
+          <p:cNvPr id="22531" name="Rectangle 2"/>
+          <p:cNvSpPr>
+            <a:spLocks noGrp="1" noRot="1" noChangeAspect="1" noChangeArrowheads="1" noTextEdit="1"/>
+          </p:cNvSpPr>
+          <p:nvPr>
+            <p:ph type="sldImg"/>
+          </p:nvPr>
+        </p:nvSpPr>
+        <p:spPr>
+          <a:xfrm>
+            <a:off x="992188" y="768350"/>
+            <a:ext cx="5114925" cy="3836988"/>
+          </a:xfrm>
+          <a:ln/>
+        </p:spPr>
+      </p:sp>
+      <p:sp>
+        <p:nvSpPr>
+          <p:cNvPr id="22532" name="Rectangle 3"/>
+          <p:cNvSpPr>
+            <a:spLocks noGrp="1" noChangeArrowheads="1"/>
+          </p:cNvSpPr>
+          <p:nvPr>
+            <p:ph type="body" idx="1"/>
+          </p:nvPr>
+        </p:nvSpPr>
+        <p:spPr>
+          <a:noFill/>
+          <a:ln/>
+          <a:extLst>
+            <a:ext uri="{909E8E84-426E-40DD-AFC4-6F175D3DCCD1}">
+              <a14:hiddenFill xmlns:a14="http://schemas.microsoft.com/office/drawing/2010/main">
+                <a:solidFill>
+                  <a:srgbClr val="FFFFFF"/>
+                </a:solidFill>
+              </a14:hiddenFill>
+            </a:ext>
+            <a:ext uri="{91240B29-F687-4F45-9708-019B960494DF}">
+              <a14:hiddenLine xmlns:a14="http://schemas.microsoft.com/office/drawing/2010/main" w="9525">
+                <a:solidFill>
+                  <a:srgbClr val="000000"/>
+                </a:solidFill>
+                <a:miter lim="800000"/>
+                <a:headEnd/>
+                <a:tailEnd/>
+              </a14:hiddenLine>
+            </a:ext>
+          </a:extLst>
+        </p:spPr>
+        <p:txBody>
+          <a:bodyPr/>
+          <a:lstStyle/>
+          <a:p>
+            <a:pPr eaLnBrk="1" hangingPunct="1"/>
+            <a:endParaRPr lang="en-US" altLang="da-DK" smtClean="0">
+              <a:latin typeface="Times New Roman" pitchFamily="18" charset="0"/>
+              <a:ea typeface="ＭＳ Ｐゴシック" pitchFamily="34" charset="-128"/>
+            </a:endParaRPr>
+          </a:p>
+        </p:txBody>
+      </p:sp>
+    </p:spTree>
+    <p:extLst>
+      <p:ext uri="{BB962C8B-B14F-4D97-AF65-F5344CB8AC3E}">
+        <p14:creationId xmlns:p14="http://schemas.microsoft.com/office/powerpoint/2010/main" val="2666246785"/>
       </p:ext>
     </p:extLst>
   </p:cSld>
@@ -4048,8 +4327,8 @@
         </p:nvSpPr>
         <p:spPr bwMode="auto">
           <a:xfrm>
-            <a:off x="480723" y="1052736"/>
-            <a:ext cx="8411757" cy="5904656"/>
+            <a:off x="480723" y="1124744"/>
+            <a:ext cx="8555773" cy="5544616"/>
           </a:xfrm>
           <a:prstGeom prst="rect">
             <a:avLst/>
@@ -4229,8 +4508,12 @@
               </a:spcBef>
             </a:pPr>
             <a:r>
+              <a:rPr lang="da-DK" sz="1600" dirty="0" smtClean="0"/>
+              <a:t>9.15 </a:t>
+            </a:r>
+            <a:r>
               <a:rPr lang="da-DK" sz="1600" dirty="0"/>
-              <a:t>8.45 Status</a:t>
+              <a:t>Status</a:t>
             </a:r>
           </a:p>
           <a:p>
@@ -4240,8 +4523,12 @@
               </a:spcBef>
             </a:pPr>
             <a:r>
+              <a:rPr lang="da-DK" sz="1600" dirty="0" smtClean="0"/>
+              <a:t>9.30 </a:t>
+            </a:r>
+            <a:r>
               <a:rPr lang="da-DK" sz="1600" dirty="0"/>
-              <a:t>9.00 Forelæsning (med en kort pause midtvejs)</a:t>
+              <a:t>Forelæsning (med en kort pause midtvejs)</a:t>
             </a:r>
           </a:p>
           <a:p>
@@ -4251,9 +4538,18 @@
               </a:spcBef>
             </a:pPr>
             <a:r>
+              <a:rPr lang="da-DK" sz="1600" dirty="0" smtClean="0"/>
+              <a:t>11.30 </a:t>
+            </a:r>
+            <a:r>
               <a:rPr lang="da-DK" sz="1600" dirty="0"/>
-              <a:t>11.00 Øvelser omkring Raflebæger 4 (2 timer)</a:t>
-            </a:r>
+              <a:t>Øvelser omkring Raflebæger </a:t>
+            </a:r>
+            <a:r>
+              <a:rPr lang="da-DK" sz="1600" dirty="0" smtClean="0"/>
+              <a:t>4</a:t>
+            </a:r>
+            <a:endParaRPr lang="da-DK" sz="1600" dirty="0"/>
           </a:p>
           <a:p>
             <a:pPr marL="742950" lvl="1" indent="-285750">
@@ -4285,8 +4581,13 @@
             </a:pPr>
             <a:r>
               <a:rPr lang="da-DK" sz="1600" dirty="0"/>
-              <a:t>15.30 Øvelser omkring Computerspil 1 (90 min)</a:t>
-            </a:r>
+              <a:t>15.30 Øvelser omkring Computerspil </a:t>
+            </a:r>
+            <a:r>
+              <a:rPr lang="da-DK" sz="1600" dirty="0" smtClean="0"/>
+              <a:t>1</a:t>
+            </a:r>
+            <a:endParaRPr lang="da-DK" sz="1600" dirty="0"/>
           </a:p>
           <a:p>
             <a:pPr marL="742950" lvl="1" indent="-285750">
@@ -4302,6 +4603,14 @@
               <a:rPr lang="da-DK" sz="1600" dirty="0" smtClean="0"/>
               <a:t>Slut</a:t>
             </a:r>
+          </a:p>
+          <a:p>
+            <a:pPr lvl="1">
+              <a:spcBef>
+                <a:spcPts val="0"/>
+              </a:spcBef>
+              <a:buNone/>
+            </a:pPr>
             <a:endParaRPr lang="da-DK" sz="1600" dirty="0"/>
           </a:p>
           <a:p>
@@ -4312,26 +4621,18 @@
             </a:pPr>
             <a:r>
               <a:rPr lang="da-DK" sz="1800" dirty="0" smtClean="0"/>
-              <a:t>Det ligger nu fast, at alle otte seminarer afvikles via Zoom</a:t>
-            </a:r>
-          </a:p>
-          <a:p>
-            <a:pPr marL="285750" indent="-285750">
-              <a:spcBef>
-                <a:spcPts val="1800"/>
+              <a:t>Mundtlig eksamen</a:t>
+            </a:r>
+          </a:p>
+          <a:p>
+            <a:pPr marL="742950" lvl="1" indent="-285750">
+              <a:spcBef>
+                <a:spcPts val="600"/>
               </a:spcBef>
             </a:pPr>
             <a:r>
-              <a:rPr lang="da-DK" sz="1800" dirty="0" smtClean="0"/>
-              <a:t>Det samme vil sandsynligvis være </a:t>
-            </a:r>
-            <a:r>
-              <a:rPr lang="da-DK" sz="1800" dirty="0"/>
-              <a:t>tilfældet for den mundtlige </a:t>
-            </a:r>
-            <a:r>
-              <a:rPr lang="da-DK" sz="1800" dirty="0" smtClean="0"/>
-              <a:t>eksamen</a:t>
+              <a:rPr lang="da-DK" sz="1600" dirty="0" smtClean="0"/>
+              <a:t>Finder sted tirsdag den 31. maj og onsdag den 1. juni (i dette lokale)</a:t>
             </a:r>
           </a:p>
           <a:p>
@@ -4342,15 +4643,55 @@
             </a:pPr>
             <a:r>
               <a:rPr lang="da-DK" sz="1600" dirty="0" smtClean="0"/>
-              <a:t>Finder sted </a:t>
+              <a:t>I kan selv vælge, </a:t>
             </a:r>
             <a:r>
               <a:rPr lang="da-DK" sz="1600" dirty="0"/>
-              <a:t>den </a:t>
+              <a:t>om </a:t>
             </a:r>
             <a:r>
               <a:rPr lang="da-DK" sz="1600" dirty="0" smtClean="0"/>
-              <a:t>torsdag den 27. maj og fredfag den 28. maj</a:t>
+              <a:t>I </a:t>
+            </a:r>
+            <a:r>
+              <a:rPr lang="da-DK" sz="1600" dirty="0"/>
+              <a:t>vil op </a:t>
+            </a:r>
+            <a:r>
+              <a:rPr lang="da-DK" sz="1600" dirty="0" smtClean="0"/>
+              <a:t>tirsdag </a:t>
+            </a:r>
+            <a:r>
+              <a:rPr lang="da-DK" sz="1600" dirty="0"/>
+              <a:t>formiddag, </a:t>
+            </a:r>
+            <a:r>
+              <a:rPr lang="da-DK" sz="1600" dirty="0" smtClean="0"/>
+              <a:t>tirsdag </a:t>
+            </a:r>
+            <a:r>
+              <a:rPr lang="da-DK" sz="1600" dirty="0"/>
+              <a:t>eftermiddag, </a:t>
+            </a:r>
+            <a:r>
+              <a:rPr lang="da-DK" sz="1600" dirty="0" smtClean="0"/>
+              <a:t>onsdag </a:t>
+            </a:r>
+            <a:r>
+              <a:rPr lang="da-DK" sz="1600" dirty="0"/>
+              <a:t>formiddag eller </a:t>
+            </a:r>
+            <a:r>
+              <a:rPr lang="da-DK" sz="1600" dirty="0" smtClean="0"/>
+              <a:t>onsdag eftermiddag (via en </a:t>
+            </a:r>
+            <a:r>
+              <a:rPr lang="da-DK" sz="1600" dirty="0" err="1" smtClean="0"/>
+              <a:t>Doodle</a:t>
+            </a:r>
+            <a:r>
+              <a:rPr lang="da-DK" sz="1600" dirty="0" smtClean="0"/>
+              <a:t> under diskussionsforummet ”Mundtlig eksamen”)</a:t>
             </a:r>
           </a:p>
           <a:p>
@@ -4361,26 +4702,7 @@
             </a:pPr>
             <a:r>
               <a:rPr lang="da-DK" sz="1600" dirty="0" smtClean="0"/>
-              <a:t>Man kan selv vælge, </a:t>
-            </a:r>
-            <a:r>
-              <a:rPr lang="da-DK" sz="1600" dirty="0"/>
-              <a:t>om man vil op torsdag formiddag, torsdag eftermiddag, fredag formiddag eller fredag </a:t>
-            </a:r>
-            <a:r>
-              <a:rPr lang="da-DK" sz="1600" dirty="0" smtClean="0"/>
-              <a:t>eftermiddag</a:t>
-            </a:r>
-          </a:p>
-          <a:p>
-            <a:pPr marL="742950" lvl="1" indent="-285750">
-              <a:spcBef>
-                <a:spcPts val="600"/>
-              </a:spcBef>
-            </a:pPr>
-            <a:r>
-              <a:rPr lang="da-DK" sz="1600" dirty="0" smtClean="0"/>
-              <a:t>I kan se spørgsmål, pensum mv på Blackboard siden ”Eksamen og køreprøve”</a:t>
+              <a:t>I kan se spørgsmål, pensum mv på Brightspace siden ”Eksamen og køreprøve”</a:t>
             </a:r>
           </a:p>
           <a:p>
@@ -4402,7 +4724,7 @@
             </a:pPr>
             <a:r>
               <a:rPr lang="da-DK" sz="1600" dirty="0" smtClean="0"/>
-              <a:t>Der er også to videoer om mundtlig eksamen (under Seminar 8)</a:t>
+              <a:t>Der er også to informative videoer om mundtlig eksamen (under Seminar 8)</a:t>
             </a:r>
             <a:endParaRPr lang="da-DK" sz="1600" dirty="0"/>
           </a:p>
@@ -4524,6 +4846,852 @@
           <a:chExt cx="0" cy="0"/>
         </a:xfrm>
       </p:grpSpPr>
+      <p:pic>
+        <p:nvPicPr>
+          <p:cNvPr id="6" name="Picture 5"/>
+          <p:cNvPicPr>
+            <a:picLocks noChangeAspect="1"/>
+          </p:cNvPicPr>
+          <p:nvPr/>
+        </p:nvPicPr>
+        <p:blipFill rotWithShape="1">
+          <a:blip r:embed="rId3"/>
+          <a:srcRect l="1176"/>
+          <a:stretch/>
+        </p:blipFill>
+        <p:spPr>
+          <a:xfrm>
+            <a:off x="0" y="0"/>
+            <a:ext cx="9144000" cy="6876288"/>
+          </a:xfrm>
+          <a:prstGeom prst="rect">
+            <a:avLst/>
+          </a:prstGeom>
+        </p:spPr>
+      </p:pic>
+      <p:sp>
+        <p:nvSpPr>
+          <p:cNvPr id="5" name="Text Box 21"/>
+          <p:cNvSpPr txBox="1">
+            <a:spLocks noChangeArrowheads="1"/>
+          </p:cNvSpPr>
+          <p:nvPr/>
+        </p:nvSpPr>
+        <p:spPr bwMode="auto">
+          <a:xfrm>
+            <a:off x="1475656" y="2348880"/>
+            <a:ext cx="5976664" cy="307777"/>
+          </a:xfrm>
+          <a:prstGeom prst="rect">
+            <a:avLst/>
+          </a:prstGeom>
+          <a:solidFill>
+            <a:srgbClr val="CCECFF"/>
+          </a:solidFill>
+          <a:ln w="28575">
+            <a:solidFill>
+              <a:srgbClr val="0000FF"/>
+            </a:solidFill>
+          </a:ln>
+          <a:extLst/>
+        </p:spPr>
+        <p:txBody>
+          <a:bodyPr wrap="square">
+            <a:spAutoFit/>
+          </a:bodyPr>
+          <a:lstStyle>
+            <a:defPPr>
+              <a:defRPr lang="da-DK"/>
+            </a:defPPr>
+            <a:lvl1pPr algn="l" rtl="0" fontAlgn="base">
+              <a:spcBef>
+                <a:spcPct val="0"/>
+              </a:spcBef>
+              <a:spcAft>
+                <a:spcPct val="0"/>
+              </a:spcAft>
+              <a:defRPr sz="2000" kern="1200">
+                <a:solidFill>
+                  <a:srgbClr val="A50021"/>
+                </a:solidFill>
+                <a:latin typeface="Arial" pitchFamily="34" charset="0"/>
+                <a:ea typeface="ＭＳ Ｐゴシック" pitchFamily="34" charset="-128"/>
+                <a:cs typeface="+mn-cs"/>
+              </a:defRPr>
+            </a:lvl1pPr>
+            <a:lvl2pPr marL="457200" algn="l" rtl="0" fontAlgn="base">
+              <a:spcBef>
+                <a:spcPct val="0"/>
+              </a:spcBef>
+              <a:spcAft>
+                <a:spcPct val="0"/>
+              </a:spcAft>
+              <a:defRPr sz="2000" kern="1200">
+                <a:solidFill>
+                  <a:srgbClr val="A50021"/>
+                </a:solidFill>
+                <a:latin typeface="Arial" pitchFamily="34" charset="0"/>
+                <a:ea typeface="ＭＳ Ｐゴシック" pitchFamily="34" charset="-128"/>
+                <a:cs typeface="+mn-cs"/>
+              </a:defRPr>
+            </a:lvl2pPr>
+            <a:lvl3pPr marL="914400" algn="l" rtl="0" fontAlgn="base">
+              <a:spcBef>
+                <a:spcPct val="0"/>
+              </a:spcBef>
+              <a:spcAft>
+                <a:spcPct val="0"/>
+              </a:spcAft>
+              <a:defRPr sz="2000" kern="1200">
+                <a:solidFill>
+                  <a:srgbClr val="A50021"/>
+                </a:solidFill>
+                <a:latin typeface="Arial" pitchFamily="34" charset="0"/>
+                <a:ea typeface="ＭＳ Ｐゴシック" pitchFamily="34" charset="-128"/>
+                <a:cs typeface="+mn-cs"/>
+              </a:defRPr>
+            </a:lvl3pPr>
+            <a:lvl4pPr marL="1371600" algn="l" rtl="0" fontAlgn="base">
+              <a:spcBef>
+                <a:spcPct val="0"/>
+              </a:spcBef>
+              <a:spcAft>
+                <a:spcPct val="0"/>
+              </a:spcAft>
+              <a:defRPr sz="2000" kern="1200">
+                <a:solidFill>
+                  <a:srgbClr val="A50021"/>
+                </a:solidFill>
+                <a:latin typeface="Arial" pitchFamily="34" charset="0"/>
+                <a:ea typeface="ＭＳ Ｐゴシック" pitchFamily="34" charset="-128"/>
+                <a:cs typeface="+mn-cs"/>
+              </a:defRPr>
+            </a:lvl4pPr>
+            <a:lvl5pPr marL="1828800" algn="l" rtl="0" fontAlgn="base">
+              <a:spcBef>
+                <a:spcPct val="0"/>
+              </a:spcBef>
+              <a:spcAft>
+                <a:spcPct val="0"/>
+              </a:spcAft>
+              <a:defRPr sz="2000" kern="1200">
+                <a:solidFill>
+                  <a:srgbClr val="A50021"/>
+                </a:solidFill>
+                <a:latin typeface="Arial" pitchFamily="34" charset="0"/>
+                <a:ea typeface="ＭＳ Ｐゴシック" pitchFamily="34" charset="-128"/>
+                <a:cs typeface="+mn-cs"/>
+              </a:defRPr>
+            </a:lvl5pPr>
+            <a:lvl6pPr marL="2286000" algn="l" defTabSz="914400" rtl="0" eaLnBrk="1" latinLnBrk="0" hangingPunct="1">
+              <a:defRPr sz="2000" kern="1200">
+                <a:solidFill>
+                  <a:srgbClr val="A50021"/>
+                </a:solidFill>
+                <a:latin typeface="Arial" pitchFamily="34" charset="0"/>
+                <a:ea typeface="ＭＳ Ｐゴシック" pitchFamily="34" charset="-128"/>
+                <a:cs typeface="+mn-cs"/>
+              </a:defRPr>
+            </a:lvl6pPr>
+            <a:lvl7pPr marL="2743200" algn="l" defTabSz="914400" rtl="0" eaLnBrk="1" latinLnBrk="0" hangingPunct="1">
+              <a:defRPr sz="2000" kern="1200">
+                <a:solidFill>
+                  <a:srgbClr val="A50021"/>
+                </a:solidFill>
+                <a:latin typeface="Arial" pitchFamily="34" charset="0"/>
+                <a:ea typeface="ＭＳ Ｐゴシック" pitchFamily="34" charset="-128"/>
+                <a:cs typeface="+mn-cs"/>
+              </a:defRPr>
+            </a:lvl7pPr>
+            <a:lvl8pPr marL="3200400" algn="l" defTabSz="914400" rtl="0" eaLnBrk="1" latinLnBrk="0" hangingPunct="1">
+              <a:defRPr sz="2000" kern="1200">
+                <a:solidFill>
+                  <a:srgbClr val="A50021"/>
+                </a:solidFill>
+                <a:latin typeface="Arial" pitchFamily="34" charset="0"/>
+                <a:ea typeface="ＭＳ Ｐゴシック" pitchFamily="34" charset="-128"/>
+                <a:cs typeface="+mn-cs"/>
+              </a:defRPr>
+            </a:lvl8pPr>
+            <a:lvl9pPr marL="3657600" algn="l" defTabSz="914400" rtl="0" eaLnBrk="1" latinLnBrk="0" hangingPunct="1">
+              <a:defRPr sz="2000" kern="1200">
+                <a:solidFill>
+                  <a:srgbClr val="A50021"/>
+                </a:solidFill>
+                <a:latin typeface="Arial" pitchFamily="34" charset="0"/>
+                <a:ea typeface="ＭＳ Ｐゴシック" pitchFamily="34" charset="-128"/>
+                <a:cs typeface="+mn-cs"/>
+              </a:defRPr>
+            </a:lvl9pPr>
+          </a:lstStyle>
+          <a:p>
+            <a:pPr marL="0" indent="0" eaLnBrk="1" hangingPunct="1">
+              <a:spcBef>
+                <a:spcPct val="20000"/>
+              </a:spcBef>
+            </a:pPr>
+            <a:r>
+              <a:rPr lang="da-DK" altLang="da-DK" sz="1400" b="1" dirty="0" smtClean="0">
+                <a:solidFill>
+                  <a:srgbClr val="0000FF"/>
+                </a:solidFill>
+              </a:rPr>
+              <a:t>Yderst relevant for jer (deltagelse er gratis, tilmelding senest 5. maj)</a:t>
+            </a:r>
+            <a:endParaRPr lang="da-DK" altLang="da-DK" sz="1400" b="1" dirty="0">
+              <a:solidFill>
+                <a:srgbClr val="0000FF"/>
+              </a:solidFill>
+            </a:endParaRPr>
+          </a:p>
+        </p:txBody>
+      </p:sp>
+    </p:spTree>
+    <p:extLst>
+      <p:ext uri="{BB962C8B-B14F-4D97-AF65-F5344CB8AC3E}">
+        <p14:creationId xmlns:p14="http://schemas.microsoft.com/office/powerpoint/2010/main" val="38965180"/>
+      </p:ext>
+    </p:extLst>
+  </p:cSld>
+  <p:clrMapOvr>
+    <a:masterClrMapping/>
+  </p:clrMapOvr>
+  <p:timing>
+    <p:tnLst>
+      <p:par>
+        <p:cTn id="1" dur="indefinite" restart="never" nodeType="tmRoot">
+          <p:childTnLst>
+            <p:seq concurrent="1" nextAc="seek">
+              <p:cTn id="2" dur="indefinite" nodeType="mainSeq">
+                <p:childTnLst>
+                  <p:par>
+                    <p:cTn id="3" fill="hold">
+                      <p:stCondLst>
+                        <p:cond delay="indefinite"/>
+                        <p:cond evt="onBegin" delay="0">
+                          <p:tn val="2"/>
+                        </p:cond>
+                      </p:stCondLst>
+                      <p:childTnLst>
+                        <p:par>
+                          <p:cTn id="4" fill="hold">
+                            <p:stCondLst>
+                              <p:cond delay="0"/>
+                            </p:stCondLst>
+                            <p:childTnLst>
+                              <p:par>
+                                <p:cTn id="5" presetID="1" presetClass="entr" presetSubtype="0" fill="hold" grpId="0" nodeType="withEffect">
+                                  <p:stCondLst>
+                                    <p:cond delay="0"/>
+                                  </p:stCondLst>
+                                  <p:childTnLst>
+                                    <p:set>
+                                      <p:cBhvr>
+                                        <p:cTn id="6" dur="1" fill="hold">
+                                          <p:stCondLst>
+                                            <p:cond delay="0"/>
+                                          </p:stCondLst>
+                                        </p:cTn>
+                                        <p:tgtEl>
+                                          <p:spTgt spid="5"/>
+                                        </p:tgtEl>
+                                        <p:attrNameLst>
+                                          <p:attrName>style.visibility</p:attrName>
+                                        </p:attrNameLst>
+                                      </p:cBhvr>
+                                      <p:to>
+                                        <p:strVal val="visible"/>
+                                      </p:to>
+                                    </p:set>
+                                  </p:childTnLst>
+                                </p:cTn>
+                              </p:par>
+                            </p:childTnLst>
+                          </p:cTn>
+                        </p:par>
+                      </p:childTnLst>
+                    </p:cTn>
+                  </p:par>
+                </p:childTnLst>
+              </p:cTn>
+              <p:prevCondLst>
+                <p:cond evt="onPrev" delay="0">
+                  <p:tgtEl>
+                    <p:sldTgt/>
+                  </p:tgtEl>
+                </p:cond>
+              </p:prevCondLst>
+              <p:nextCondLst>
+                <p:cond evt="onNext" delay="0">
+                  <p:tgtEl>
+                    <p:sldTgt/>
+                  </p:tgtEl>
+                </p:cond>
+              </p:nextCondLst>
+            </p:seq>
+          </p:childTnLst>
+        </p:cTn>
+      </p:par>
+    </p:tnLst>
+    <p:bldLst>
+      <p:bldP spid="5" grpId="0" animBg="1"/>
+    </p:bldLst>
+  </p:timing>
+</p:sld>
+</file>
+
+<file path=ppt/slides/slide3.xml><?xml version="1.0" encoding="utf-8"?>
+<p:sld xmlns:a="http://schemas.openxmlformats.org/drawingml/2006/main" xmlns:r="http://schemas.openxmlformats.org/officeDocument/2006/relationships" xmlns:p="http://schemas.openxmlformats.org/presentationml/2006/main">
+  <p:cSld>
+    <p:spTree>
+      <p:nvGrpSpPr>
+        <p:cNvPr id="1" name=""/>
+        <p:cNvGrpSpPr/>
+        <p:nvPr/>
+      </p:nvGrpSpPr>
+      <p:grpSpPr>
+        <a:xfrm>
+          <a:off x="0" y="0"/>
+          <a:ext cx="0" cy="0"/>
+          <a:chOff x="0" y="0"/>
+          <a:chExt cx="0" cy="0"/>
+        </a:xfrm>
+      </p:grpSpPr>
+      <p:sp>
+        <p:nvSpPr>
+          <p:cNvPr id="4" name="Title 1"/>
+          <p:cNvSpPr txBox="1">
+            <a:spLocks/>
+          </p:cNvSpPr>
+          <p:nvPr/>
+        </p:nvSpPr>
+        <p:spPr bwMode="auto">
+          <a:xfrm>
+            <a:off x="391376" y="260648"/>
+            <a:ext cx="8793295" cy="682625"/>
+          </a:xfrm>
+          <a:prstGeom prst="rect">
+            <a:avLst/>
+          </a:prstGeom>
+          <a:noFill/>
+          <a:ln>
+            <a:noFill/>
+          </a:ln>
+          <a:extLst>
+            <a:ext uri="{909E8E84-426E-40DD-AFC4-6F175D3DCCD1}">
+              <a14:hiddenFill xmlns:a14="http://schemas.microsoft.com/office/drawing/2010/main">
+                <a:solidFill>
+                  <a:srgbClr val="FFFFFF"/>
+                </a:solidFill>
+              </a14:hiddenFill>
+            </a:ext>
+            <a:ext uri="{91240B29-F687-4F45-9708-019B960494DF}">
+              <a14:hiddenLine xmlns:a14="http://schemas.microsoft.com/office/drawing/2010/main" w="9525">
+                <a:solidFill>
+                  <a:srgbClr val="000000"/>
+                </a:solidFill>
+                <a:miter lim="800000"/>
+                <a:headEnd/>
+                <a:tailEnd/>
+              </a14:hiddenLine>
+            </a:ext>
+          </a:extLst>
+        </p:spPr>
+        <p:txBody>
+          <a:bodyPr anchor="ctr"/>
+          <a:lstStyle>
+            <a:lvl1pPr algn="l" rtl="0" eaLnBrk="0" fontAlgn="base" hangingPunct="0">
+              <a:spcBef>
+                <a:spcPct val="0"/>
+              </a:spcBef>
+              <a:spcAft>
+                <a:spcPct val="0"/>
+              </a:spcAft>
+              <a:defRPr sz="3600" b="1">
+                <a:solidFill>
+                  <a:srgbClr val="000066"/>
+                </a:solidFill>
+                <a:latin typeface="+mj-lt"/>
+                <a:ea typeface="ＭＳ Ｐゴシック" pitchFamily="-107" charset="-128"/>
+                <a:cs typeface="ＭＳ Ｐゴシック" pitchFamily="-107" charset="-128"/>
+              </a:defRPr>
+            </a:lvl1pPr>
+            <a:lvl2pPr algn="l" rtl="0" eaLnBrk="0" fontAlgn="base" hangingPunct="0">
+              <a:spcBef>
+                <a:spcPct val="0"/>
+              </a:spcBef>
+              <a:spcAft>
+                <a:spcPct val="0"/>
+              </a:spcAft>
+              <a:defRPr sz="3600" b="1">
+                <a:solidFill>
+                  <a:srgbClr val="000066"/>
+                </a:solidFill>
+                <a:latin typeface="Arial" charset="0"/>
+                <a:ea typeface="ＭＳ Ｐゴシック" pitchFamily="-107" charset="-128"/>
+                <a:cs typeface="ＭＳ Ｐゴシック" pitchFamily="-107" charset="-128"/>
+              </a:defRPr>
+            </a:lvl2pPr>
+            <a:lvl3pPr algn="l" rtl="0" eaLnBrk="0" fontAlgn="base" hangingPunct="0">
+              <a:spcBef>
+                <a:spcPct val="0"/>
+              </a:spcBef>
+              <a:spcAft>
+                <a:spcPct val="0"/>
+              </a:spcAft>
+              <a:defRPr sz="3600" b="1">
+                <a:solidFill>
+                  <a:srgbClr val="000066"/>
+                </a:solidFill>
+                <a:latin typeface="Arial" charset="0"/>
+                <a:ea typeface="ＭＳ Ｐゴシック" pitchFamily="-107" charset="-128"/>
+                <a:cs typeface="ＭＳ Ｐゴシック" pitchFamily="-107" charset="-128"/>
+              </a:defRPr>
+            </a:lvl3pPr>
+            <a:lvl4pPr algn="l" rtl="0" eaLnBrk="0" fontAlgn="base" hangingPunct="0">
+              <a:spcBef>
+                <a:spcPct val="0"/>
+              </a:spcBef>
+              <a:spcAft>
+                <a:spcPct val="0"/>
+              </a:spcAft>
+              <a:defRPr sz="3600" b="1">
+                <a:solidFill>
+                  <a:srgbClr val="000066"/>
+                </a:solidFill>
+                <a:latin typeface="Arial" charset="0"/>
+                <a:ea typeface="ＭＳ Ｐゴシック" pitchFamily="-107" charset="-128"/>
+                <a:cs typeface="ＭＳ Ｐゴシック" pitchFamily="-107" charset="-128"/>
+              </a:defRPr>
+            </a:lvl4pPr>
+            <a:lvl5pPr algn="l" rtl="0" eaLnBrk="0" fontAlgn="base" hangingPunct="0">
+              <a:spcBef>
+                <a:spcPct val="0"/>
+              </a:spcBef>
+              <a:spcAft>
+                <a:spcPct val="0"/>
+              </a:spcAft>
+              <a:defRPr sz="3600" b="1">
+                <a:solidFill>
+                  <a:srgbClr val="000066"/>
+                </a:solidFill>
+                <a:latin typeface="Arial" charset="0"/>
+                <a:ea typeface="ＭＳ Ｐゴシック" pitchFamily="-107" charset="-128"/>
+                <a:cs typeface="ＭＳ Ｐゴシック" pitchFamily="-107" charset="-128"/>
+              </a:defRPr>
+            </a:lvl5pPr>
+            <a:lvl6pPr marL="457200" algn="l" rtl="0" fontAlgn="base">
+              <a:spcBef>
+                <a:spcPct val="0"/>
+              </a:spcBef>
+              <a:spcAft>
+                <a:spcPct val="0"/>
+              </a:spcAft>
+              <a:defRPr sz="3600" b="1">
+                <a:solidFill>
+                  <a:srgbClr val="000066"/>
+                </a:solidFill>
+                <a:latin typeface="Arial" charset="0"/>
+              </a:defRPr>
+            </a:lvl6pPr>
+            <a:lvl7pPr marL="914400" algn="l" rtl="0" fontAlgn="base">
+              <a:spcBef>
+                <a:spcPct val="0"/>
+              </a:spcBef>
+              <a:spcAft>
+                <a:spcPct val="0"/>
+              </a:spcAft>
+              <a:defRPr sz="3600" b="1">
+                <a:solidFill>
+                  <a:srgbClr val="000066"/>
+                </a:solidFill>
+                <a:latin typeface="Arial" charset="0"/>
+              </a:defRPr>
+            </a:lvl7pPr>
+            <a:lvl8pPr marL="1371600" algn="l" rtl="0" fontAlgn="base">
+              <a:spcBef>
+                <a:spcPct val="0"/>
+              </a:spcBef>
+              <a:spcAft>
+                <a:spcPct val="0"/>
+              </a:spcAft>
+              <a:defRPr sz="3600" b="1">
+                <a:solidFill>
+                  <a:srgbClr val="000066"/>
+                </a:solidFill>
+                <a:latin typeface="Arial" charset="0"/>
+              </a:defRPr>
+            </a:lvl8pPr>
+            <a:lvl9pPr marL="1828800" algn="l" rtl="0" fontAlgn="base">
+              <a:spcBef>
+                <a:spcPct val="0"/>
+              </a:spcBef>
+              <a:spcAft>
+                <a:spcPct val="0"/>
+              </a:spcAft>
+              <a:defRPr sz="3600" b="1">
+                <a:solidFill>
+                  <a:srgbClr val="000066"/>
+                </a:solidFill>
+                <a:latin typeface="Arial" charset="0"/>
+              </a:defRPr>
+            </a:lvl9pPr>
+          </a:lstStyle>
+          <a:p>
+            <a:pPr marL="271463" indent="-271463"/>
+            <a:r>
+              <a:rPr lang="da-DK" altLang="da-DK" sz="2800" dirty="0" smtClean="0"/>
+              <a:t>Quiz 5</a:t>
+            </a:r>
+            <a:endParaRPr lang="da-DK" altLang="da-DK" sz="2800" dirty="0"/>
+          </a:p>
+        </p:txBody>
+      </p:sp>
+      <p:sp>
+        <p:nvSpPr>
+          <p:cNvPr id="8" name="Content Placeholder 2"/>
+          <p:cNvSpPr txBox="1">
+            <a:spLocks/>
+          </p:cNvSpPr>
+          <p:nvPr/>
+        </p:nvSpPr>
+        <p:spPr bwMode="auto">
+          <a:xfrm>
+            <a:off x="611560" y="1052736"/>
+            <a:ext cx="8424936" cy="5616624"/>
+          </a:xfrm>
+          <a:prstGeom prst="rect">
+            <a:avLst/>
+          </a:prstGeom>
+          <a:noFill/>
+          <a:ln>
+            <a:noFill/>
+          </a:ln>
+          <a:extLst>
+            <a:ext uri="{909E8E84-426E-40DD-AFC4-6F175D3DCCD1}">
+              <a14:hiddenFill xmlns:a14="http://schemas.microsoft.com/office/drawing/2010/main">
+                <a:solidFill>
+                  <a:srgbClr val="FFFFFF"/>
+                </a:solidFill>
+              </a14:hiddenFill>
+            </a:ext>
+            <a:ext uri="{91240B29-F687-4F45-9708-019B960494DF}">
+              <a14:hiddenLine xmlns:a14="http://schemas.microsoft.com/office/drawing/2010/main" w="9525">
+                <a:solidFill>
+                  <a:srgbClr val="000000"/>
+                </a:solidFill>
+                <a:miter lim="800000"/>
+                <a:headEnd/>
+                <a:tailEnd/>
+              </a14:hiddenLine>
+            </a:ext>
+          </a:extLst>
+        </p:spPr>
+        <p:txBody>
+          <a:bodyPr/>
+          <a:lstStyle>
+            <a:lvl1pPr eaLnBrk="0" hangingPunct="0">
+              <a:spcBef>
+                <a:spcPct val="20000"/>
+              </a:spcBef>
+              <a:buChar char="•"/>
+              <a:defRPr sz="2400" b="1">
+                <a:solidFill>
+                  <a:srgbClr val="A50021"/>
+                </a:solidFill>
+                <a:latin typeface="Arial" pitchFamily="34" charset="0"/>
+                <a:ea typeface="ＭＳ Ｐゴシック" pitchFamily="34" charset="-128"/>
+              </a:defRPr>
+            </a:lvl1pPr>
+            <a:lvl2pPr eaLnBrk="0" hangingPunct="0">
+              <a:spcBef>
+                <a:spcPct val="20000"/>
+              </a:spcBef>
+              <a:buChar char="–"/>
+              <a:defRPr sz="2000">
+                <a:solidFill>
+                  <a:srgbClr val="000066"/>
+                </a:solidFill>
+                <a:latin typeface="Arial" pitchFamily="34" charset="0"/>
+                <a:ea typeface="ＭＳ Ｐゴシック" pitchFamily="34" charset="-128"/>
+              </a:defRPr>
+            </a:lvl2pPr>
+            <a:lvl3pPr eaLnBrk="0" hangingPunct="0">
+              <a:spcBef>
+                <a:spcPct val="20000"/>
+              </a:spcBef>
+              <a:buChar char="•"/>
+              <a:defRPr sz="1600">
+                <a:solidFill>
+                  <a:schemeClr val="tx1"/>
+                </a:solidFill>
+                <a:latin typeface="Arial" pitchFamily="34" charset="0"/>
+                <a:ea typeface="ＭＳ Ｐゴシック" pitchFamily="34" charset="-128"/>
+              </a:defRPr>
+            </a:lvl3pPr>
+            <a:lvl4pPr eaLnBrk="0" hangingPunct="0">
+              <a:spcBef>
+                <a:spcPct val="20000"/>
+              </a:spcBef>
+              <a:buChar char="–"/>
+              <a:defRPr sz="1600">
+                <a:solidFill>
+                  <a:schemeClr val="tx1"/>
+                </a:solidFill>
+                <a:latin typeface="Times New Roman" pitchFamily="18" charset="0"/>
+                <a:ea typeface="ＭＳ Ｐゴシック" pitchFamily="34" charset="-128"/>
+              </a:defRPr>
+            </a:lvl4pPr>
+            <a:lvl5pPr eaLnBrk="0" hangingPunct="0">
+              <a:spcBef>
+                <a:spcPct val="20000"/>
+              </a:spcBef>
+              <a:buChar char="»"/>
+              <a:defRPr sz="1200">
+                <a:solidFill>
+                  <a:schemeClr val="tx1"/>
+                </a:solidFill>
+                <a:latin typeface="Times New Roman" pitchFamily="18" charset="0"/>
+                <a:ea typeface="ＭＳ Ｐゴシック" pitchFamily="34" charset="-128"/>
+              </a:defRPr>
+            </a:lvl5pPr>
+            <a:lvl6pPr eaLnBrk="0" fontAlgn="base" hangingPunct="0">
+              <a:spcBef>
+                <a:spcPct val="20000"/>
+              </a:spcBef>
+              <a:spcAft>
+                <a:spcPct val="0"/>
+              </a:spcAft>
+              <a:buChar char="»"/>
+              <a:defRPr sz="1200">
+                <a:solidFill>
+                  <a:schemeClr val="tx1"/>
+                </a:solidFill>
+                <a:latin typeface="Times New Roman" pitchFamily="18" charset="0"/>
+                <a:ea typeface="ＭＳ Ｐゴシック" pitchFamily="34" charset="-128"/>
+              </a:defRPr>
+            </a:lvl6pPr>
+            <a:lvl7pPr eaLnBrk="0" fontAlgn="base" hangingPunct="0">
+              <a:spcBef>
+                <a:spcPct val="20000"/>
+              </a:spcBef>
+              <a:spcAft>
+                <a:spcPct val="0"/>
+              </a:spcAft>
+              <a:buChar char="»"/>
+              <a:defRPr sz="1200">
+                <a:solidFill>
+                  <a:schemeClr val="tx1"/>
+                </a:solidFill>
+                <a:latin typeface="Times New Roman" pitchFamily="18" charset="0"/>
+                <a:ea typeface="ＭＳ Ｐゴシック" pitchFamily="34" charset="-128"/>
+              </a:defRPr>
+            </a:lvl7pPr>
+            <a:lvl8pPr eaLnBrk="0" fontAlgn="base" hangingPunct="0">
+              <a:spcBef>
+                <a:spcPct val="20000"/>
+              </a:spcBef>
+              <a:spcAft>
+                <a:spcPct val="0"/>
+              </a:spcAft>
+              <a:buChar char="»"/>
+              <a:defRPr sz="1200">
+                <a:solidFill>
+                  <a:schemeClr val="tx1"/>
+                </a:solidFill>
+                <a:latin typeface="Times New Roman" pitchFamily="18" charset="0"/>
+                <a:ea typeface="ＭＳ Ｐゴシック" pitchFamily="34" charset="-128"/>
+              </a:defRPr>
+            </a:lvl8pPr>
+            <a:lvl9pPr eaLnBrk="0" fontAlgn="base" hangingPunct="0">
+              <a:spcBef>
+                <a:spcPct val="20000"/>
+              </a:spcBef>
+              <a:spcAft>
+                <a:spcPct val="0"/>
+              </a:spcAft>
+              <a:buChar char="»"/>
+              <a:defRPr sz="1200">
+                <a:solidFill>
+                  <a:schemeClr val="tx1"/>
+                </a:solidFill>
+                <a:latin typeface="Times New Roman" pitchFamily="18" charset="0"/>
+                <a:ea typeface="ＭＳ Ｐゴシック" pitchFamily="34" charset="-128"/>
+              </a:defRPr>
+            </a:lvl9pPr>
+          </a:lstStyle>
+          <a:p>
+            <a:pPr marL="271463" lvl="1" indent="-271463">
+              <a:spcBef>
+                <a:spcPts val="1200"/>
+              </a:spcBef>
+              <a:buFontTx/>
+              <a:buChar char="•"/>
+            </a:pPr>
+            <a:r>
+              <a:rPr lang="da-DK" altLang="da-DK" sz="1800" b="1" spc="-80" dirty="0" smtClean="0">
+                <a:solidFill>
+                  <a:srgbClr val="A50021"/>
+                </a:solidFill>
+              </a:rPr>
+              <a:t>I Quiz 5 var jeres gennemsnitlige vurdering af pensummets </a:t>
+            </a:r>
+            <a:r>
+              <a:rPr lang="da-DK" altLang="da-DK" sz="1800" b="1" spc="-80" dirty="0" smtClean="0">
+                <a:solidFill>
+                  <a:srgbClr val="A50021"/>
+                </a:solidFill>
+              </a:rPr>
+              <a:t>sværhedsgrad steget lidt 4,64</a:t>
+            </a:r>
+            <a:endParaRPr lang="da-DK" altLang="da-DK" sz="1800" b="1" spc="-80" dirty="0" smtClean="0">
+              <a:solidFill>
+                <a:srgbClr val="A50021"/>
+              </a:solidFill>
+            </a:endParaRPr>
+          </a:p>
+          <a:p>
+            <a:pPr marL="742950" lvl="1" indent="-285750">
+              <a:spcBef>
+                <a:spcPts val="600"/>
+              </a:spcBef>
+            </a:pPr>
+            <a:r>
+              <a:rPr lang="da-DK" altLang="da-DK" sz="1600" dirty="0" smtClean="0"/>
+              <a:t>Det </a:t>
+            </a:r>
+            <a:r>
+              <a:rPr lang="da-DK" altLang="da-DK" sz="1600" dirty="0" smtClean="0"/>
+              <a:t>er helt normalt (sidste forår var den 4,28)</a:t>
+            </a:r>
+          </a:p>
+          <a:p>
+            <a:pPr marL="271463" lvl="1" indent="-271463">
+              <a:spcBef>
+                <a:spcPts val="1200"/>
+              </a:spcBef>
+              <a:buFontTx/>
+              <a:buChar char="•"/>
+            </a:pPr>
+            <a:r>
+              <a:rPr lang="da-DK" altLang="da-DK" sz="1800" b="1" spc="-40" dirty="0" smtClean="0">
+                <a:solidFill>
+                  <a:srgbClr val="A50021"/>
+                </a:solidFill>
+              </a:rPr>
+              <a:t>I </a:t>
+            </a:r>
+            <a:r>
+              <a:rPr lang="da-DK" altLang="da-DK" sz="1800" b="1" spc="-40" dirty="0">
+                <a:solidFill>
+                  <a:srgbClr val="A50021"/>
+                </a:solidFill>
+              </a:rPr>
+              <a:t>har </a:t>
+            </a:r>
+            <a:r>
+              <a:rPr lang="da-DK" altLang="da-DK" sz="1800" b="1" spc="-40" dirty="0" smtClean="0">
+                <a:solidFill>
+                  <a:srgbClr val="A50021"/>
+                </a:solidFill>
+              </a:rPr>
+              <a:t>(som sædvanlig) klaret </a:t>
+            </a:r>
+            <a:r>
+              <a:rPr lang="da-DK" altLang="da-DK" sz="1800" b="1" spc="-40" dirty="0">
+                <a:solidFill>
+                  <a:srgbClr val="A50021"/>
+                </a:solidFill>
+              </a:rPr>
+              <a:t>Quiz </a:t>
+            </a:r>
+            <a:r>
+              <a:rPr lang="da-DK" altLang="da-DK" sz="1800" b="1" spc="-40" dirty="0" smtClean="0">
+                <a:solidFill>
+                  <a:srgbClr val="A50021"/>
+                </a:solidFill>
+              </a:rPr>
+              <a:t>5 fint</a:t>
+            </a:r>
+            <a:endParaRPr lang="da-DK" altLang="da-DK" sz="1800" b="1" spc="-40" dirty="0">
+              <a:solidFill>
+                <a:srgbClr val="A50021"/>
+              </a:solidFill>
+            </a:endParaRPr>
+          </a:p>
+          <a:p>
+            <a:pPr marL="742950" lvl="1" indent="-285750">
+              <a:spcBef>
+                <a:spcPts val="600"/>
+              </a:spcBef>
+              <a:buFontTx/>
+              <a:buChar char="–"/>
+            </a:pPr>
+            <a:r>
+              <a:rPr lang="da-DK" altLang="da-DK" sz="1600" dirty="0" smtClean="0"/>
+              <a:t>I brugte </a:t>
+            </a:r>
+            <a:r>
+              <a:rPr lang="da-DK" altLang="da-DK" sz="1600" dirty="0" smtClean="0"/>
+              <a:t>2,52 </a:t>
+            </a:r>
+            <a:r>
+              <a:rPr lang="da-DK" altLang="da-DK" sz="1600" dirty="0" smtClean="0"/>
+              <a:t>forsøg pr spørgsmål (mod 2,26 sidste forår)</a:t>
+            </a:r>
+          </a:p>
+          <a:p>
+            <a:pPr marL="742950" lvl="1" indent="-285750">
+              <a:spcBef>
+                <a:spcPts val="600"/>
+              </a:spcBef>
+              <a:buFontTx/>
+              <a:buChar char="–"/>
+            </a:pPr>
+            <a:r>
+              <a:rPr lang="da-DK" altLang="da-DK" sz="1600" dirty="0" smtClean="0"/>
+              <a:t>I havde især problemer med spørgsmål 4, 5 og 7, hvor I skulle klassificere forskellige komponenter – så dem vil vi lige kigge lidt på inden vi starter dagens forelæsning</a:t>
+            </a:r>
+          </a:p>
+        </p:txBody>
+      </p:sp>
+    </p:spTree>
+    <p:extLst>
+      <p:ext uri="{BB962C8B-B14F-4D97-AF65-F5344CB8AC3E}">
+        <p14:creationId xmlns:p14="http://schemas.microsoft.com/office/powerpoint/2010/main" val="3491547896"/>
+      </p:ext>
+    </p:extLst>
+  </p:cSld>
+  <p:clrMapOvr>
+    <a:masterClrMapping/>
+  </p:clrMapOvr>
+  <p:timing>
+    <p:tnLst>
+      <p:par>
+        <p:cTn id="1" dur="indefinite" restart="never" nodeType="tmRoot"/>
+      </p:par>
+    </p:tnLst>
+  </p:timing>
+</p:sld>
+</file>
+
+<file path=ppt/slides/slide4.xml><?xml version="1.0" encoding="utf-8"?>
+<p:sld xmlns:a="http://schemas.openxmlformats.org/drawingml/2006/main" xmlns:r="http://schemas.openxmlformats.org/officeDocument/2006/relationships" xmlns:p="http://schemas.openxmlformats.org/presentationml/2006/main">
+  <p:cSld>
+    <p:spTree>
+      <p:nvGrpSpPr>
+        <p:cNvPr id="1" name=""/>
+        <p:cNvGrpSpPr/>
+        <p:nvPr/>
+      </p:nvGrpSpPr>
+      <p:grpSpPr>
+        <a:xfrm>
+          <a:off x="0" y="0"/>
+          <a:ext cx="0" cy="0"/>
+          <a:chOff x="0" y="0"/>
+          <a:chExt cx="0" cy="0"/>
+        </a:xfrm>
+      </p:grpSpPr>
       <p:sp>
         <p:nvSpPr>
           <p:cNvPr id="4" name="Title 1"/>
@@ -4920,7 +6088,7 @@
             </a:r>
             <a:r>
               <a:rPr lang="da-DK" altLang="da-DK" sz="1600" dirty="0" smtClean="0"/>
-              <a:t>kun en enkelt genaflevering</a:t>
+              <a:t>ingen genafleveringer</a:t>
             </a:r>
             <a:endParaRPr lang="da-DK" altLang="da-DK" sz="1600" dirty="0"/>
           </a:p>
@@ -4974,18 +6142,34 @@
               </a:spcBef>
             </a:pPr>
             <a:r>
-              <a:rPr lang="da-DK" sz="1800" dirty="0"/>
-              <a:t>Computerspilsopgaverne er noget større end de hidtidige </a:t>
-            </a:r>
-            <a:r>
-              <a:rPr lang="da-DK" sz="1800" dirty="0" smtClean="0"/>
-              <a:t>opgaver (men ikke væsentligt sværere)</a:t>
-            </a:r>
-            <a:endParaRPr lang="da-DK" sz="1600" dirty="0">
-              <a:solidFill>
-                <a:srgbClr val="000066"/>
-              </a:solidFill>
-            </a:endParaRPr>
+              <a:rPr lang="da-DK" sz="1800" spc="-80" dirty="0" smtClean="0"/>
+              <a:t>Raflebæger </a:t>
+            </a:r>
+            <a:r>
+              <a:rPr lang="da-DK" sz="1800" spc="-80" dirty="0" smtClean="0"/>
+              <a:t>4 og computerspilsopgaverne </a:t>
+            </a:r>
+            <a:r>
+              <a:rPr lang="da-DK" sz="1800" spc="-80" dirty="0"/>
+              <a:t>er </a:t>
+            </a:r>
+            <a:r>
+              <a:rPr lang="da-DK" sz="1800" spc="-80" dirty="0" smtClean="0"/>
+              <a:t>(i lighed med Dronningeopgaven) noget </a:t>
+            </a:r>
+            <a:r>
+              <a:rPr lang="da-DK" sz="1800" spc="-80" dirty="0"/>
+              <a:t>større end de hidtidige </a:t>
+            </a:r>
+            <a:r>
+              <a:rPr lang="da-DK" sz="1800" spc="-80" dirty="0" smtClean="0"/>
+              <a:t>opgaver (men ikke væsentligt sværere</a:t>
+            </a:r>
+            <a:r>
+              <a:rPr lang="da-DK" sz="1800" spc="-80" dirty="0" smtClean="0"/>
+              <a:t>)</a:t>
+            </a:r>
+            <a:endParaRPr lang="da-DK" sz="1600" spc="-80" dirty="0" smtClean="0"/>
           </a:p>
           <a:p>
             <a:pPr marL="728663" lvl="1" indent="-271463">
@@ -4994,8 +6178,12 @@
               </a:spcBef>
             </a:pPr>
             <a:r>
+              <a:rPr lang="da-DK" sz="1600" dirty="0" smtClean="0"/>
+              <a:t>Det </a:t>
+            </a:r>
+            <a:r>
               <a:rPr lang="da-DK" sz="1600" dirty="0"/>
-              <a:t>Det er derfor vigtigt, at I kommer tidligt i gang, og at I ikke har gamle genafleveringer, der hænger fra tidligere uger</a:t>
+              <a:t>er derfor vigtigt, at I kommer tidligt i gang, og at I ikke har gamle genafleveringer, der hænger fra tidligere uger</a:t>
             </a:r>
           </a:p>
           <a:p>
@@ -5043,113 +6231,20 @@
             </a:pPr>
             <a:r>
               <a:rPr lang="da-DK" sz="1600" dirty="0"/>
-              <a:t>Husk at I kan få hjælp via webboardet og i studiecaféen</a:t>
-            </a:r>
-            <a:endParaRPr lang="da-DK" altLang="da-DK" sz="1600" dirty="0"/>
-          </a:p>
-          <a:p>
-            <a:pPr marL="271463" lvl="1" indent="-271463">
-              <a:spcBef>
-                <a:spcPts val="1800"/>
-              </a:spcBef>
-              <a:buFontTx/>
-              <a:buChar char="•"/>
-            </a:pPr>
-            <a:r>
-              <a:rPr lang="da-DK" altLang="da-DK" sz="1800" b="1" spc="-50" dirty="0">
-                <a:solidFill>
-                  <a:srgbClr val="A50021"/>
-                </a:solidFill>
-              </a:rPr>
-              <a:t>Mikkel Weitemeyer </a:t>
-            </a:r>
-            <a:r>
-              <a:rPr lang="da-DK" altLang="da-DK" sz="1800" b="1" spc="-50" dirty="0" smtClean="0">
-                <a:solidFill>
-                  <a:srgbClr val="A50021"/>
-                </a:solidFill>
-              </a:rPr>
-              <a:t>er </a:t>
-            </a:r>
-            <a:r>
-              <a:rPr lang="da-DK" altLang="da-DK" sz="1800" b="1" spc="-50" dirty="0">
-                <a:solidFill>
-                  <a:srgbClr val="A50021"/>
-                </a:solidFill>
-              </a:rPr>
-              <a:t>stoppet på kurset, idet </a:t>
-            </a:r>
-            <a:r>
-              <a:rPr lang="da-DK" altLang="da-DK" sz="1800" b="1" spc="-50" dirty="0" smtClean="0">
-                <a:solidFill>
-                  <a:srgbClr val="A50021"/>
-                </a:solidFill>
-              </a:rPr>
-              <a:t>han </a:t>
-            </a:r>
-            <a:r>
-              <a:rPr lang="da-DK" altLang="da-DK" sz="1800" b="1" spc="-50" dirty="0">
-                <a:solidFill>
-                  <a:srgbClr val="A50021"/>
-                </a:solidFill>
-              </a:rPr>
-              <a:t>ikke har den fornødne </a:t>
-            </a:r>
-            <a:r>
-              <a:rPr lang="da-DK" altLang="da-DK" sz="1800" b="1" spc="-50" dirty="0" smtClean="0">
-                <a:solidFill>
-                  <a:srgbClr val="A50021"/>
-                </a:solidFill>
-              </a:rPr>
-              <a:t>tid</a:t>
-            </a:r>
-          </a:p>
-          <a:p>
-            <a:pPr marL="271463" lvl="1" indent="-271463">
-              <a:spcBef>
-                <a:spcPts val="1200"/>
-              </a:spcBef>
-              <a:buFontTx/>
-              <a:buChar char="•"/>
-            </a:pPr>
-            <a:r>
-              <a:rPr lang="da-DK" altLang="da-DK" sz="1800" b="1" spc="-50" dirty="0" smtClean="0">
-                <a:solidFill>
-                  <a:srgbClr val="A50021"/>
-                </a:solidFill>
-              </a:rPr>
-              <a:t>Armin </a:t>
-            </a:r>
-            <a:r>
-              <a:rPr lang="da-DK" altLang="da-DK" sz="1800" b="1" spc="-50" dirty="0" err="1" smtClean="0">
-                <a:solidFill>
-                  <a:srgbClr val="A50021"/>
-                </a:solidFill>
-              </a:rPr>
-              <a:t>Adrovic</a:t>
-            </a:r>
-            <a:r>
-              <a:rPr lang="da-DK" altLang="da-DK" sz="1800" b="1" spc="-50" dirty="0" smtClean="0">
-                <a:solidFill>
-                  <a:srgbClr val="A50021"/>
-                </a:solidFill>
-              </a:rPr>
-              <a:t> er kommet en del bagud, men forsøger at indhente det tabte</a:t>
-            </a:r>
-            <a:endParaRPr lang="da-DK" altLang="da-DK" sz="1800" b="1" spc="-50" dirty="0">
-              <a:solidFill>
-                <a:srgbClr val="A50021"/>
-              </a:solidFill>
-            </a:endParaRPr>
-          </a:p>
-          <a:p>
-            <a:pPr marL="742950" lvl="1" indent="-285750">
-              <a:spcBef>
-                <a:spcPts val="600"/>
-              </a:spcBef>
-              <a:buFontTx/>
-              <a:buChar char="–"/>
-            </a:pPr>
+              <a:t>Husk at I kan få hjælp via </a:t>
+            </a:r>
+            <a:r>
+              <a:rPr lang="da-DK" sz="1600" dirty="0" smtClean="0"/>
+              <a:t>diskussionsforummet </a:t>
+            </a:r>
+            <a:r>
+              <a:rPr lang="da-DK" sz="1600" dirty="0"/>
+              <a:t>og i </a:t>
+            </a:r>
+            <a:r>
+              <a:rPr lang="da-DK" sz="1600" dirty="0" smtClean="0"/>
+              <a:t>studiecaféen</a:t>
+            </a:r>
             <a:endParaRPr lang="da-DK" altLang="da-DK" sz="1600" dirty="0"/>
           </a:p>
         </p:txBody>
@@ -5157,7 +6252,7 @@
     </p:spTree>
     <p:extLst>
       <p:ext uri="{BB962C8B-B14F-4D97-AF65-F5344CB8AC3E}">
-        <p14:creationId xmlns:p14="http://schemas.microsoft.com/office/powerpoint/2010/main" val="38965180"/>
+        <p14:creationId xmlns:p14="http://schemas.microsoft.com/office/powerpoint/2010/main" val="2415707548"/>
       </p:ext>
     </p:extLst>
   </p:cSld>
@@ -5174,7 +6269,7 @@
 </p:sld>
 </file>
 
-<file path=ppt/slides/slide3.xml><?xml version="1.0" encoding="utf-8"?>
+<file path=ppt/slides/slide5.xml><?xml version="1.0" encoding="utf-8"?>
 <p:sld xmlns:a="http://schemas.openxmlformats.org/drawingml/2006/main" xmlns:r="http://schemas.openxmlformats.org/officeDocument/2006/relationships" xmlns:p="http://schemas.openxmlformats.org/presentationml/2006/main">
   <p:cSld>
     <p:spTree>
@@ -5584,7 +6679,7 @@
                   <a:srgbClr val="A50021"/>
                 </a:solidFill>
               </a:rPr>
-              <a:t>kl 15-17 er der </a:t>
+              <a:t>kl 15.30-17 er der </a:t>
             </a:r>
             <a:r>
               <a:rPr lang="da-DK" altLang="da-DK" sz="1800" b="1" spc="-40" dirty="0">
@@ -5619,7 +6714,7 @@
             </a:pPr>
             <a:r>
               <a:rPr lang="da-DK" altLang="da-DK" sz="1600" dirty="0" smtClean="0"/>
-              <a:t>Næste studiecafé ligger den 2. april, som er langfredag</a:t>
+              <a:t>Fredag den 15. april, er langfredag</a:t>
             </a:r>
           </a:p>
           <a:p>
@@ -5629,12 +6724,8 @@
               </a:spcBef>
             </a:pPr>
             <a:r>
-              <a:rPr lang="da-DK" altLang="da-DK" sz="1600" dirty="0"/>
-              <a:t>S</a:t>
-            </a:r>
-            <a:r>
               <a:rPr lang="da-DK" altLang="da-DK" sz="1600" dirty="0" smtClean="0"/>
-              <a:t>kal vi flytte den og i givet fald hvor hen?</a:t>
+              <a:t>Er der nogen, der er interesseret i at deltage der?</a:t>
             </a:r>
             <a:endParaRPr lang="da-DK" altLang="da-DK" sz="1600" spc="-40" dirty="0" smtClean="0"/>
           </a:p>
@@ -6030,6 +7121,77 @@
               </a:spcBef>
             </a:pPr>
             <a:endParaRPr lang="da-DK" sz="1100" dirty="0"/>
+          </a:p>
+        </p:txBody>
+      </p:sp>
+      <p:sp>
+        <p:nvSpPr>
+          <p:cNvPr id="5" name="Rectangle 4"/>
+          <p:cNvSpPr/>
+          <p:nvPr/>
+        </p:nvSpPr>
+        <p:spPr>
+          <a:xfrm rot="21165640">
+            <a:off x="4726514" y="5793826"/>
+            <a:ext cx="3280124" cy="523220"/>
+          </a:xfrm>
+          <a:prstGeom prst="rect">
+            <a:avLst/>
+          </a:prstGeom>
+          <a:noFill/>
+        </p:spPr>
+        <p:txBody>
+          <a:bodyPr wrap="square">
+            <a:spAutoFit/>
+            <a:scene3d>
+              <a:camera prst="orthographicFront"/>
+              <a:lightRig rig="flat" dir="tl">
+                <a:rot lat="0" lon="0" rev="6600000"/>
+              </a:lightRig>
+            </a:scene3d>
+            <a:sp3d extrusionH="25400" contourW="8890">
+              <a:bevelT w="38100" h="31750"/>
+              <a:contourClr>
+                <a:schemeClr val="accent2">
+                  <a:shade val="75000"/>
+                </a:schemeClr>
+              </a:contourClr>
+            </a:sp3d>
+          </a:bodyPr>
+          <a:lstStyle/>
+          <a:p>
+            <a:pPr algn="ctr">
+              <a:defRPr/>
+            </a:pPr>
+            <a:r>
+              <a:rPr lang="da-DK" sz="2800" b="1" dirty="0" smtClean="0">
+                <a:ln w="11430"/>
+                <a:solidFill>
+                  <a:srgbClr val="CC0000"/>
+                </a:solidFill>
+                <a:effectLst>
+                  <a:outerShdw blurRad="50800" dist="39000" dir="5460000" algn="tl">
+                    <a:srgbClr val="000000">
+                      <a:alpha val="38000"/>
+                    </a:srgbClr>
+                  </a:outerShdw>
+                </a:effectLst>
+              </a:rPr>
+              <a:t>Forelæsning</a:t>
+            </a:r>
+            <a:endParaRPr lang="da-DK" sz="3200" b="1" dirty="0">
+              <a:ln w="11430"/>
+              <a:solidFill>
+                <a:srgbClr val="CC0000"/>
+              </a:solidFill>
+              <a:effectLst>
+                <a:outerShdw blurRad="50800" dist="39000" dir="5460000" algn="tl">
+                  <a:srgbClr val="000000">
+                    <a:alpha val="38000"/>
+                  </a:srgbClr>
+                </a:outerShdw>
+              </a:effectLst>
+            </a:endParaRPr>
           </a:p>
         </p:txBody>
       </p:sp>
@@ -6096,648 +7258,27 @@
                       </p:childTnLst>
                     </p:cTn>
                   </p:par>
-                </p:childTnLst>
-              </p:cTn>
-              <p:prevCondLst>
-                <p:cond evt="onPrev" delay="0">
-                  <p:tgtEl>
-                    <p:sldTgt/>
-                  </p:tgtEl>
-                </p:cond>
-              </p:prevCondLst>
-              <p:nextCondLst>
-                <p:cond evt="onNext" delay="0">
-                  <p:tgtEl>
-                    <p:sldTgt/>
-                  </p:tgtEl>
-                </p:cond>
-              </p:nextCondLst>
-            </p:seq>
-          </p:childTnLst>
-        </p:cTn>
-      </p:par>
-    </p:tnLst>
-    <p:bldLst>
-      <p:bldP spid="7" grpId="0"/>
-    </p:bldLst>
-  </p:timing>
-</p:sld>
-</file>
-
-<file path=ppt/slides/slide4.xml><?xml version="1.0" encoding="utf-8"?>
-<p:sld xmlns:a="http://schemas.openxmlformats.org/drawingml/2006/main" xmlns:r="http://schemas.openxmlformats.org/officeDocument/2006/relationships" xmlns:p="http://schemas.openxmlformats.org/presentationml/2006/main">
-  <p:cSld>
-    <p:spTree>
-      <p:nvGrpSpPr>
-        <p:cNvPr id="1" name=""/>
-        <p:cNvGrpSpPr/>
-        <p:nvPr/>
-      </p:nvGrpSpPr>
-      <p:grpSpPr>
-        <a:xfrm>
-          <a:off x="0" y="0"/>
-          <a:ext cx="0" cy="0"/>
-          <a:chOff x="0" y="0"/>
-          <a:chExt cx="0" cy="0"/>
-        </a:xfrm>
-      </p:grpSpPr>
-      <p:sp>
-        <p:nvSpPr>
-          <p:cNvPr id="4" name="Title 1"/>
-          <p:cNvSpPr txBox="1">
-            <a:spLocks/>
-          </p:cNvSpPr>
-          <p:nvPr/>
-        </p:nvSpPr>
-        <p:spPr bwMode="auto">
-          <a:xfrm>
-            <a:off x="391376" y="260648"/>
-            <a:ext cx="8793295" cy="682625"/>
-          </a:xfrm>
-          <a:prstGeom prst="rect">
-            <a:avLst/>
-          </a:prstGeom>
-          <a:noFill/>
-          <a:ln>
-            <a:noFill/>
-          </a:ln>
-          <a:extLst>
-            <a:ext uri="{909E8E84-426E-40DD-AFC4-6F175D3DCCD1}">
-              <a14:hiddenFill xmlns:a14="http://schemas.microsoft.com/office/drawing/2010/main">
-                <a:solidFill>
-                  <a:srgbClr val="FFFFFF"/>
-                </a:solidFill>
-              </a14:hiddenFill>
-            </a:ext>
-            <a:ext uri="{91240B29-F687-4F45-9708-019B960494DF}">
-              <a14:hiddenLine xmlns:a14="http://schemas.microsoft.com/office/drawing/2010/main" w="9525">
-                <a:solidFill>
-                  <a:srgbClr val="000000"/>
-                </a:solidFill>
-                <a:miter lim="800000"/>
-                <a:headEnd/>
-                <a:tailEnd/>
-              </a14:hiddenLine>
-            </a:ext>
-          </a:extLst>
-        </p:spPr>
-        <p:txBody>
-          <a:bodyPr anchor="ctr"/>
-          <a:lstStyle>
-            <a:lvl1pPr algn="l" rtl="0" eaLnBrk="0" fontAlgn="base" hangingPunct="0">
-              <a:spcBef>
-                <a:spcPct val="0"/>
-              </a:spcBef>
-              <a:spcAft>
-                <a:spcPct val="0"/>
-              </a:spcAft>
-              <a:defRPr sz="3600" b="1">
-                <a:solidFill>
-                  <a:srgbClr val="000066"/>
-                </a:solidFill>
-                <a:latin typeface="+mj-lt"/>
-                <a:ea typeface="ＭＳ Ｐゴシック" pitchFamily="-107" charset="-128"/>
-                <a:cs typeface="ＭＳ Ｐゴシック" pitchFamily="-107" charset="-128"/>
-              </a:defRPr>
-            </a:lvl1pPr>
-            <a:lvl2pPr algn="l" rtl="0" eaLnBrk="0" fontAlgn="base" hangingPunct="0">
-              <a:spcBef>
-                <a:spcPct val="0"/>
-              </a:spcBef>
-              <a:spcAft>
-                <a:spcPct val="0"/>
-              </a:spcAft>
-              <a:defRPr sz="3600" b="1">
-                <a:solidFill>
-                  <a:srgbClr val="000066"/>
-                </a:solidFill>
-                <a:latin typeface="Arial" charset="0"/>
-                <a:ea typeface="ＭＳ Ｐゴシック" pitchFamily="-107" charset="-128"/>
-                <a:cs typeface="ＭＳ Ｐゴシック" pitchFamily="-107" charset="-128"/>
-              </a:defRPr>
-            </a:lvl2pPr>
-            <a:lvl3pPr algn="l" rtl="0" eaLnBrk="0" fontAlgn="base" hangingPunct="0">
-              <a:spcBef>
-                <a:spcPct val="0"/>
-              </a:spcBef>
-              <a:spcAft>
-                <a:spcPct val="0"/>
-              </a:spcAft>
-              <a:defRPr sz="3600" b="1">
-                <a:solidFill>
-                  <a:srgbClr val="000066"/>
-                </a:solidFill>
-                <a:latin typeface="Arial" charset="0"/>
-                <a:ea typeface="ＭＳ Ｐゴシック" pitchFamily="-107" charset="-128"/>
-                <a:cs typeface="ＭＳ Ｐゴシック" pitchFamily="-107" charset="-128"/>
-              </a:defRPr>
-            </a:lvl3pPr>
-            <a:lvl4pPr algn="l" rtl="0" eaLnBrk="0" fontAlgn="base" hangingPunct="0">
-              <a:spcBef>
-                <a:spcPct val="0"/>
-              </a:spcBef>
-              <a:spcAft>
-                <a:spcPct val="0"/>
-              </a:spcAft>
-              <a:defRPr sz="3600" b="1">
-                <a:solidFill>
-                  <a:srgbClr val="000066"/>
-                </a:solidFill>
-                <a:latin typeface="Arial" charset="0"/>
-                <a:ea typeface="ＭＳ Ｐゴシック" pitchFamily="-107" charset="-128"/>
-                <a:cs typeface="ＭＳ Ｐゴシック" pitchFamily="-107" charset="-128"/>
-              </a:defRPr>
-            </a:lvl4pPr>
-            <a:lvl5pPr algn="l" rtl="0" eaLnBrk="0" fontAlgn="base" hangingPunct="0">
-              <a:spcBef>
-                <a:spcPct val="0"/>
-              </a:spcBef>
-              <a:spcAft>
-                <a:spcPct val="0"/>
-              </a:spcAft>
-              <a:defRPr sz="3600" b="1">
-                <a:solidFill>
-                  <a:srgbClr val="000066"/>
-                </a:solidFill>
-                <a:latin typeface="Arial" charset="0"/>
-                <a:ea typeface="ＭＳ Ｐゴシック" pitchFamily="-107" charset="-128"/>
-                <a:cs typeface="ＭＳ Ｐゴシック" pitchFamily="-107" charset="-128"/>
-              </a:defRPr>
-            </a:lvl5pPr>
-            <a:lvl6pPr marL="457200" algn="l" rtl="0" fontAlgn="base">
-              <a:spcBef>
-                <a:spcPct val="0"/>
-              </a:spcBef>
-              <a:spcAft>
-                <a:spcPct val="0"/>
-              </a:spcAft>
-              <a:defRPr sz="3600" b="1">
-                <a:solidFill>
-                  <a:srgbClr val="000066"/>
-                </a:solidFill>
-                <a:latin typeface="Arial" charset="0"/>
-              </a:defRPr>
-            </a:lvl6pPr>
-            <a:lvl7pPr marL="914400" algn="l" rtl="0" fontAlgn="base">
-              <a:spcBef>
-                <a:spcPct val="0"/>
-              </a:spcBef>
-              <a:spcAft>
-                <a:spcPct val="0"/>
-              </a:spcAft>
-              <a:defRPr sz="3600" b="1">
-                <a:solidFill>
-                  <a:srgbClr val="000066"/>
-                </a:solidFill>
-                <a:latin typeface="Arial" charset="0"/>
-              </a:defRPr>
-            </a:lvl7pPr>
-            <a:lvl8pPr marL="1371600" algn="l" rtl="0" fontAlgn="base">
-              <a:spcBef>
-                <a:spcPct val="0"/>
-              </a:spcBef>
-              <a:spcAft>
-                <a:spcPct val="0"/>
-              </a:spcAft>
-              <a:defRPr sz="3600" b="1">
-                <a:solidFill>
-                  <a:srgbClr val="000066"/>
-                </a:solidFill>
-                <a:latin typeface="Arial" charset="0"/>
-              </a:defRPr>
-            </a:lvl8pPr>
-            <a:lvl9pPr marL="1828800" algn="l" rtl="0" fontAlgn="base">
-              <a:spcBef>
-                <a:spcPct val="0"/>
-              </a:spcBef>
-              <a:spcAft>
-                <a:spcPct val="0"/>
-              </a:spcAft>
-              <a:defRPr sz="3600" b="1">
-                <a:solidFill>
-                  <a:srgbClr val="000066"/>
-                </a:solidFill>
-                <a:latin typeface="Arial" charset="0"/>
-              </a:defRPr>
-            </a:lvl9pPr>
-          </a:lstStyle>
-          <a:p>
-            <a:pPr marL="271463" indent="-271463"/>
-            <a:r>
-              <a:rPr lang="da-DK" altLang="da-DK" sz="2800" dirty="0" smtClean="0"/>
-              <a:t>Quiz 5</a:t>
-            </a:r>
-            <a:endParaRPr lang="da-DK" altLang="da-DK" sz="2800" dirty="0"/>
-          </a:p>
-        </p:txBody>
-      </p:sp>
-      <p:sp>
-        <p:nvSpPr>
-          <p:cNvPr id="8" name="Content Placeholder 2"/>
-          <p:cNvSpPr txBox="1">
-            <a:spLocks/>
-          </p:cNvSpPr>
-          <p:nvPr/>
-        </p:nvSpPr>
-        <p:spPr bwMode="auto">
-          <a:xfrm>
-            <a:off x="611560" y="1052736"/>
-            <a:ext cx="8424936" cy="5616624"/>
-          </a:xfrm>
-          <a:prstGeom prst="rect">
-            <a:avLst/>
-          </a:prstGeom>
-          <a:noFill/>
-          <a:ln>
-            <a:noFill/>
-          </a:ln>
-          <a:extLst>
-            <a:ext uri="{909E8E84-426E-40DD-AFC4-6F175D3DCCD1}">
-              <a14:hiddenFill xmlns:a14="http://schemas.microsoft.com/office/drawing/2010/main">
-                <a:solidFill>
-                  <a:srgbClr val="FFFFFF"/>
-                </a:solidFill>
-              </a14:hiddenFill>
-            </a:ext>
-            <a:ext uri="{91240B29-F687-4F45-9708-019B960494DF}">
-              <a14:hiddenLine xmlns:a14="http://schemas.microsoft.com/office/drawing/2010/main" w="9525">
-                <a:solidFill>
-                  <a:srgbClr val="000000"/>
-                </a:solidFill>
-                <a:miter lim="800000"/>
-                <a:headEnd/>
-                <a:tailEnd/>
-              </a14:hiddenLine>
-            </a:ext>
-          </a:extLst>
-        </p:spPr>
-        <p:txBody>
-          <a:bodyPr/>
-          <a:lstStyle>
-            <a:lvl1pPr eaLnBrk="0" hangingPunct="0">
-              <a:spcBef>
-                <a:spcPct val="20000"/>
-              </a:spcBef>
-              <a:buChar char="•"/>
-              <a:defRPr sz="2400" b="1">
-                <a:solidFill>
-                  <a:srgbClr val="A50021"/>
-                </a:solidFill>
-                <a:latin typeface="Arial" pitchFamily="34" charset="0"/>
-                <a:ea typeface="ＭＳ Ｐゴシック" pitchFamily="34" charset="-128"/>
-              </a:defRPr>
-            </a:lvl1pPr>
-            <a:lvl2pPr eaLnBrk="0" hangingPunct="0">
-              <a:spcBef>
-                <a:spcPct val="20000"/>
-              </a:spcBef>
-              <a:buChar char="–"/>
-              <a:defRPr sz="2000">
-                <a:solidFill>
-                  <a:srgbClr val="000066"/>
-                </a:solidFill>
-                <a:latin typeface="Arial" pitchFamily="34" charset="0"/>
-                <a:ea typeface="ＭＳ Ｐゴシック" pitchFamily="34" charset="-128"/>
-              </a:defRPr>
-            </a:lvl2pPr>
-            <a:lvl3pPr eaLnBrk="0" hangingPunct="0">
-              <a:spcBef>
-                <a:spcPct val="20000"/>
-              </a:spcBef>
-              <a:buChar char="•"/>
-              <a:defRPr sz="1600">
-                <a:solidFill>
-                  <a:schemeClr val="tx1"/>
-                </a:solidFill>
-                <a:latin typeface="Arial" pitchFamily="34" charset="0"/>
-                <a:ea typeface="ＭＳ Ｐゴシック" pitchFamily="34" charset="-128"/>
-              </a:defRPr>
-            </a:lvl3pPr>
-            <a:lvl4pPr eaLnBrk="0" hangingPunct="0">
-              <a:spcBef>
-                <a:spcPct val="20000"/>
-              </a:spcBef>
-              <a:buChar char="–"/>
-              <a:defRPr sz="1600">
-                <a:solidFill>
-                  <a:schemeClr val="tx1"/>
-                </a:solidFill>
-                <a:latin typeface="Times New Roman" pitchFamily="18" charset="0"/>
-                <a:ea typeface="ＭＳ Ｐゴシック" pitchFamily="34" charset="-128"/>
-              </a:defRPr>
-            </a:lvl4pPr>
-            <a:lvl5pPr eaLnBrk="0" hangingPunct="0">
-              <a:spcBef>
-                <a:spcPct val="20000"/>
-              </a:spcBef>
-              <a:buChar char="»"/>
-              <a:defRPr sz="1200">
-                <a:solidFill>
-                  <a:schemeClr val="tx1"/>
-                </a:solidFill>
-                <a:latin typeface="Times New Roman" pitchFamily="18" charset="0"/>
-                <a:ea typeface="ＭＳ Ｐゴシック" pitchFamily="34" charset="-128"/>
-              </a:defRPr>
-            </a:lvl5pPr>
-            <a:lvl6pPr eaLnBrk="0" fontAlgn="base" hangingPunct="0">
-              <a:spcBef>
-                <a:spcPct val="20000"/>
-              </a:spcBef>
-              <a:spcAft>
-                <a:spcPct val="0"/>
-              </a:spcAft>
-              <a:buChar char="»"/>
-              <a:defRPr sz="1200">
-                <a:solidFill>
-                  <a:schemeClr val="tx1"/>
-                </a:solidFill>
-                <a:latin typeface="Times New Roman" pitchFamily="18" charset="0"/>
-                <a:ea typeface="ＭＳ Ｐゴシック" pitchFamily="34" charset="-128"/>
-              </a:defRPr>
-            </a:lvl6pPr>
-            <a:lvl7pPr eaLnBrk="0" fontAlgn="base" hangingPunct="0">
-              <a:spcBef>
-                <a:spcPct val="20000"/>
-              </a:spcBef>
-              <a:spcAft>
-                <a:spcPct val="0"/>
-              </a:spcAft>
-              <a:buChar char="»"/>
-              <a:defRPr sz="1200">
-                <a:solidFill>
-                  <a:schemeClr val="tx1"/>
-                </a:solidFill>
-                <a:latin typeface="Times New Roman" pitchFamily="18" charset="0"/>
-                <a:ea typeface="ＭＳ Ｐゴシック" pitchFamily="34" charset="-128"/>
-              </a:defRPr>
-            </a:lvl7pPr>
-            <a:lvl8pPr eaLnBrk="0" fontAlgn="base" hangingPunct="0">
-              <a:spcBef>
-                <a:spcPct val="20000"/>
-              </a:spcBef>
-              <a:spcAft>
-                <a:spcPct val="0"/>
-              </a:spcAft>
-              <a:buChar char="»"/>
-              <a:defRPr sz="1200">
-                <a:solidFill>
-                  <a:schemeClr val="tx1"/>
-                </a:solidFill>
-                <a:latin typeface="Times New Roman" pitchFamily="18" charset="0"/>
-                <a:ea typeface="ＭＳ Ｐゴシック" pitchFamily="34" charset="-128"/>
-              </a:defRPr>
-            </a:lvl8pPr>
-            <a:lvl9pPr eaLnBrk="0" fontAlgn="base" hangingPunct="0">
-              <a:spcBef>
-                <a:spcPct val="20000"/>
-              </a:spcBef>
-              <a:spcAft>
-                <a:spcPct val="0"/>
-              </a:spcAft>
-              <a:buChar char="»"/>
-              <a:defRPr sz="1200">
-                <a:solidFill>
-                  <a:schemeClr val="tx1"/>
-                </a:solidFill>
-                <a:latin typeface="Times New Roman" pitchFamily="18" charset="0"/>
-                <a:ea typeface="ＭＳ Ｐゴシック" pitchFamily="34" charset="-128"/>
-              </a:defRPr>
-            </a:lvl9pPr>
-          </a:lstStyle>
-          <a:p>
-            <a:pPr marL="271463" lvl="1" indent="-271463">
-              <a:spcBef>
-                <a:spcPts val="1200"/>
-              </a:spcBef>
-              <a:buFontTx/>
-              <a:buChar char="•"/>
-            </a:pPr>
-            <a:r>
-              <a:rPr lang="da-DK" altLang="da-DK" sz="1800" b="1" spc="-80" dirty="0" smtClean="0">
-                <a:solidFill>
-                  <a:srgbClr val="A50021"/>
-                </a:solidFill>
-              </a:rPr>
-              <a:t>I Quiz 5 var jeres gennemsnitlige vurdering af pensummets sværhedsgrad 4,28</a:t>
-            </a:r>
-          </a:p>
-          <a:p>
-            <a:pPr marL="742950" lvl="1" indent="-285750">
-              <a:spcBef>
-                <a:spcPts val="600"/>
-              </a:spcBef>
-            </a:pPr>
-            <a:r>
-              <a:rPr lang="da-DK" altLang="da-DK" sz="1600" dirty="0" smtClean="0"/>
-              <a:t>Det er noget højere end sidste gang (hvilket er helt normalt)</a:t>
-            </a:r>
-          </a:p>
-          <a:p>
-            <a:pPr marL="742950" lvl="1" indent="-285750">
-              <a:spcBef>
-                <a:spcPts val="600"/>
-              </a:spcBef>
-            </a:pPr>
-            <a:r>
-              <a:rPr lang="da-DK" altLang="da-DK" sz="1600" dirty="0" smtClean="0"/>
-              <a:t>Det er også lidt højere end på efterårskurset</a:t>
-            </a:r>
-          </a:p>
-          <a:p>
-            <a:pPr marL="271463" lvl="1" indent="-271463">
-              <a:spcBef>
-                <a:spcPts val="1200"/>
-              </a:spcBef>
-              <a:buFontTx/>
-              <a:buChar char="•"/>
-            </a:pPr>
-            <a:r>
-              <a:rPr lang="da-DK" altLang="da-DK" sz="1800" b="1" spc="-40" dirty="0" smtClean="0">
-                <a:solidFill>
-                  <a:srgbClr val="A50021"/>
-                </a:solidFill>
-              </a:rPr>
-              <a:t>I </a:t>
-            </a:r>
-            <a:r>
-              <a:rPr lang="da-DK" altLang="da-DK" sz="1800" b="1" spc="-40" dirty="0">
-                <a:solidFill>
-                  <a:srgbClr val="A50021"/>
-                </a:solidFill>
-              </a:rPr>
-              <a:t>har </a:t>
-            </a:r>
-            <a:r>
-              <a:rPr lang="da-DK" altLang="da-DK" sz="1800" b="1" spc="-40" dirty="0" smtClean="0">
-                <a:solidFill>
-                  <a:srgbClr val="A50021"/>
-                </a:solidFill>
-              </a:rPr>
-              <a:t>(som sædvanlig) klaret </a:t>
-            </a:r>
-            <a:r>
-              <a:rPr lang="da-DK" altLang="da-DK" sz="1800" b="1" spc="-40" dirty="0">
-                <a:solidFill>
-                  <a:srgbClr val="A50021"/>
-                </a:solidFill>
-              </a:rPr>
-              <a:t>Quiz </a:t>
-            </a:r>
-            <a:r>
-              <a:rPr lang="da-DK" altLang="da-DK" sz="1800" b="1" spc="-40" dirty="0" smtClean="0">
-                <a:solidFill>
-                  <a:srgbClr val="A50021"/>
-                </a:solidFill>
-              </a:rPr>
-              <a:t>5 væsentligt bedre </a:t>
-            </a:r>
-            <a:r>
-              <a:rPr lang="da-DK" altLang="da-DK" sz="1800" b="1" spc="-40" dirty="0">
-                <a:solidFill>
-                  <a:srgbClr val="A50021"/>
-                </a:solidFill>
-              </a:rPr>
-              <a:t>end de studerende i efteråret</a:t>
-            </a:r>
-          </a:p>
-          <a:p>
-            <a:pPr marL="742950" lvl="1" indent="-285750">
-              <a:spcBef>
-                <a:spcPts val="600"/>
-              </a:spcBef>
-              <a:buFontTx/>
-              <a:buChar char="–"/>
-            </a:pPr>
-            <a:r>
-              <a:rPr lang="da-DK" altLang="da-DK" sz="1600" dirty="0" smtClean="0"/>
-              <a:t>I brugte 2,26 forsøg pr spørgsmål (mod 3,01 i efteråret)</a:t>
-            </a:r>
-          </a:p>
-          <a:p>
-            <a:pPr marL="742950" lvl="1" indent="-285750">
-              <a:spcBef>
-                <a:spcPts val="600"/>
-              </a:spcBef>
-              <a:buFontTx/>
-              <a:buChar char="–"/>
-            </a:pPr>
-            <a:r>
-              <a:rPr lang="da-DK" altLang="da-DK" sz="1600" dirty="0" smtClean="0"/>
-              <a:t>I havde især problemer med spørgsmål 4, 5 og 7, hvor I skulle klassificere forskellige komponenter – så dem vil vi lige kigge lidt på inden vi starter dagens forelæsning</a:t>
-            </a:r>
-          </a:p>
-        </p:txBody>
-      </p:sp>
-      <p:sp>
-        <p:nvSpPr>
-          <p:cNvPr id="5" name="Rectangle 4"/>
-          <p:cNvSpPr/>
-          <p:nvPr/>
-        </p:nvSpPr>
-        <p:spPr>
-          <a:xfrm rot="21165640">
-            <a:off x="2863701" y="4353665"/>
-            <a:ext cx="3280124" cy="523220"/>
-          </a:xfrm>
-          <a:prstGeom prst="rect">
-            <a:avLst/>
-          </a:prstGeom>
-          <a:noFill/>
-        </p:spPr>
-        <p:txBody>
-          <a:bodyPr wrap="square">
-            <a:spAutoFit/>
-            <a:scene3d>
-              <a:camera prst="orthographicFront"/>
-              <a:lightRig rig="flat" dir="tl">
-                <a:rot lat="0" lon="0" rev="6600000"/>
-              </a:lightRig>
-            </a:scene3d>
-            <a:sp3d extrusionH="25400" contourW="8890">
-              <a:bevelT w="38100" h="31750"/>
-              <a:contourClr>
-                <a:schemeClr val="accent2">
-                  <a:shade val="75000"/>
-                </a:schemeClr>
-              </a:contourClr>
-            </a:sp3d>
-          </a:bodyPr>
-          <a:lstStyle/>
-          <a:p>
-            <a:pPr algn="ctr">
-              <a:defRPr/>
-            </a:pPr>
-            <a:r>
-              <a:rPr lang="da-DK" sz="2800" b="1" dirty="0" smtClean="0">
-                <a:ln w="11430"/>
-                <a:solidFill>
-                  <a:srgbClr val="CC0000"/>
-                </a:solidFill>
-                <a:effectLst>
-                  <a:outerShdw blurRad="50800" dist="39000" dir="5460000" algn="tl">
-                    <a:srgbClr val="000000">
-                      <a:alpha val="38000"/>
-                    </a:srgbClr>
-                  </a:outerShdw>
-                </a:effectLst>
-              </a:rPr>
-              <a:t>Forelæsning</a:t>
-            </a:r>
-            <a:endParaRPr lang="da-DK" sz="3200" b="1" dirty="0">
-              <a:ln w="11430"/>
-              <a:solidFill>
-                <a:srgbClr val="CC0000"/>
-              </a:solidFill>
-              <a:effectLst>
-                <a:outerShdw blurRad="50800" dist="39000" dir="5460000" algn="tl">
-                  <a:srgbClr val="000000">
-                    <a:alpha val="38000"/>
-                  </a:srgbClr>
-                </a:outerShdw>
-              </a:effectLst>
-            </a:endParaRPr>
-          </a:p>
-        </p:txBody>
-      </p:sp>
-    </p:spTree>
-    <p:extLst>
-      <p:ext uri="{BB962C8B-B14F-4D97-AF65-F5344CB8AC3E}">
-        <p14:creationId xmlns:p14="http://schemas.microsoft.com/office/powerpoint/2010/main" val="3491547896"/>
-      </p:ext>
-    </p:extLst>
-  </p:cSld>
-  <p:clrMapOvr>
-    <a:masterClrMapping/>
-  </p:clrMapOvr>
-  <p:timing>
-    <p:tnLst>
-      <p:par>
-        <p:cTn id="1" dur="indefinite" restart="never" nodeType="tmRoot">
-          <p:childTnLst>
-            <p:seq concurrent="1" nextAc="seek">
-              <p:cTn id="2" dur="indefinite" nodeType="mainSeq">
-                <p:childTnLst>
                   <p:par>
-                    <p:cTn id="3" fill="hold">
+                    <p:cTn id="7" fill="hold">
                       <p:stCondLst>
                         <p:cond delay="indefinite"/>
                       </p:stCondLst>
                       <p:childTnLst>
                         <p:par>
-                          <p:cTn id="4" fill="hold">
+                          <p:cTn id="8" fill="hold">
                             <p:stCondLst>
                               <p:cond delay="0"/>
                             </p:stCondLst>
                             <p:childTnLst>
                               <p:par>
-                                <p:cTn id="5" presetID="1" presetClass="entr" presetSubtype="0" fill="hold" nodeType="clickEffect">
+                                <p:cTn id="9" presetID="1" presetClass="entr" presetSubtype="0" fill="hold" nodeType="clickEffect">
                                   <p:stCondLst>
                                     <p:cond delay="0"/>
                                   </p:stCondLst>
                                   <p:childTnLst>
                                     <p:set>
                                       <p:cBhvr>
-                                        <p:cTn id="6" dur="1" fill="hold">
+                                        <p:cTn id="10" dur="1" fill="hold">
                                           <p:stCondLst>
                                             <p:cond delay="0"/>
                                           </p:stCondLst>
@@ -6783,6 +7324,9 @@
         </p:cTn>
       </p:par>
     </p:tnLst>
+    <p:bldLst>
+      <p:bldP spid="7" grpId="0"/>
+    </p:bldLst>
   </p:timing>
 </p:sld>
 </file>

--- a/web/g22/status/Status6.pptx
+++ b/web/g22/status/Status6.pptx
@@ -5529,26 +5529,13 @@
               <a:buChar char="•"/>
             </a:pPr>
             <a:r>
-              <a:rPr lang="da-DK" altLang="da-DK" sz="1800" b="1" spc="-80" dirty="0" smtClean="0">
+              <a:rPr lang="da-DK" altLang="da-DK" sz="1800" b="1" spc="-40" dirty="0">
                 <a:solidFill>
                   <a:srgbClr val="A50021"/>
                 </a:solidFill>
               </a:rPr>
-              <a:t>I Quiz 5 var jeres gennemsnitlige vurdering af pensummets </a:t>
-            </a:r>
-            <a:r>
-              <a:rPr lang="da-DK" altLang="da-DK" sz="1800" b="1" spc="-80" dirty="0" smtClean="0">
-                <a:solidFill>
-                  <a:srgbClr val="A50021"/>
-                </a:solidFill>
-              </a:rPr>
-              <a:t>sværhedsgrad steget lidt 4,64</a:t>
-            </a:r>
-            <a:endParaRPr lang="da-DK" altLang="da-DK" sz="1800" b="1" spc="-80" dirty="0" smtClean="0">
-              <a:solidFill>
-                <a:srgbClr val="A50021"/>
-              </a:solidFill>
-            </a:endParaRPr>
+              <a:t>I Quiz 5 var jeres gennemsnitlige vurdering af pensummets sværhedsgrad steget lidt til 4,64</a:t>
+            </a:r>
           </a:p>
           <a:p>
             <a:pPr marL="742950" lvl="1" indent="-285750">
@@ -5558,11 +5545,7 @@
             </a:pPr>
             <a:r>
               <a:rPr lang="da-DK" altLang="da-DK" sz="1600" dirty="0" smtClean="0"/>
-              <a:t>Det </a:t>
-            </a:r>
-            <a:r>
-              <a:rPr lang="da-DK" altLang="da-DK" sz="1600" dirty="0" smtClean="0"/>
-              <a:t>er helt normalt (sidste forår var den 4,28)</a:t>
+              <a:t>Det er helt normalt (sidste forår var den 4,28)</a:t>
             </a:r>
           </a:p>
           <a:p>
@@ -5629,15 +5612,7 @@
             </a:pPr>
             <a:r>
               <a:rPr lang="da-DK" altLang="da-DK" sz="1600" dirty="0" smtClean="0"/>
-              <a:t>I brugte </a:t>
-            </a:r>
-            <a:r>
-              <a:rPr lang="da-DK" altLang="da-DK" sz="1600" dirty="0" smtClean="0"/>
-              <a:t>2,52 </a:t>
-            </a:r>
-            <a:r>
-              <a:rPr lang="da-DK" altLang="da-DK" sz="1600" dirty="0" smtClean="0"/>
-              <a:t>forsøg pr spørgsmål (mod 2,26 sidste forår)</a:t>
+              <a:t>I brugte 2,52 forsøg pr spørgsmål (mod 2,26 sidste forår)</a:t>
             </a:r>
           </a:p>
           <a:p>
@@ -6142,34 +6117,29 @@
               </a:spcBef>
             </a:pPr>
             <a:r>
-              <a:rPr lang="da-DK" sz="1800" spc="-80" dirty="0" smtClean="0"/>
-              <a:t>Raflebæger </a:t>
-            </a:r>
-            <a:r>
-              <a:rPr lang="da-DK" sz="1800" spc="-80" dirty="0" smtClean="0"/>
-              <a:t>4 og computerspilsopgaverne </a:t>
-            </a:r>
-            <a:r>
-              <a:rPr lang="da-DK" sz="1800" spc="-80" dirty="0"/>
+              <a:rPr lang="da-DK" sz="1800" dirty="0"/>
+              <a:t>Raflebæger 4 og computerspilsopgaverne </a:t>
+            </a:r>
+            <a:r>
+              <a:rPr lang="da-DK" sz="1800" dirty="0"/>
               <a:t>er </a:t>
             </a:r>
             <a:r>
-              <a:rPr lang="da-DK" sz="1800" spc="-80" dirty="0" smtClean="0"/>
+              <a:rPr lang="da-DK" sz="1800" dirty="0"/>
               <a:t>(i lighed med Dronningeopgaven) noget </a:t>
             </a:r>
             <a:r>
-              <a:rPr lang="da-DK" sz="1800" spc="-80" dirty="0"/>
-              <a:t>større end de hidtidige </a:t>
-            </a:r>
-            <a:r>
-              <a:rPr lang="da-DK" sz="1800" spc="-80" dirty="0" smtClean="0"/>
-              <a:t>opgaver (men ikke væsentligt sværere</a:t>
-            </a:r>
-            <a:r>
-              <a:rPr lang="da-DK" sz="1800" spc="-80" dirty="0" smtClean="0"/>
-              <a:t>)</a:t>
-            </a:r>
-            <a:endParaRPr lang="da-DK" sz="1600" spc="-80" dirty="0" smtClean="0"/>
+              <a:rPr lang="da-DK" sz="1800" dirty="0"/>
+              <a:t>større end </a:t>
+            </a:r>
+            <a:r>
+              <a:rPr lang="da-DK" sz="1800" dirty="0" smtClean="0"/>
+              <a:t>opgaverne </a:t>
+            </a:r>
+            <a:r>
+              <a:rPr lang="da-DK" sz="1800" dirty="0"/>
+              <a:t>fra kursets første halvdel (men ikke væsentligt sværere)</a:t>
+            </a:r>
           </a:p>
           <a:p>
             <a:pPr marL="728663" lvl="1" indent="-271463">

--- a/web/g22/status/Status6.pptx
+++ b/web/g22/status/Status6.pptx
@@ -5341,7 +5341,11 @@
             <a:pPr marL="271463" indent="-271463"/>
             <a:r>
               <a:rPr lang="da-DK" altLang="da-DK" sz="2800" dirty="0" smtClean="0"/>
-              <a:t>Quiz 5</a:t>
+              <a:t>Quiz </a:t>
+            </a:r>
+            <a:r>
+              <a:rPr lang="da-DK" altLang="da-DK" sz="2800" dirty="0" smtClean="0"/>
+              <a:t>5 og dronningeopgaven</a:t>
             </a:r>
             <a:endParaRPr lang="da-DK" altLang="da-DK" sz="2800" dirty="0"/>
           </a:p>
@@ -5625,8 +5629,76 @@
             </a:pPr>
             <a:r>
               <a:rPr lang="da-DK" altLang="da-DK" sz="1600" dirty="0" smtClean="0"/>
-              <a:t>I havde især problemer med spørgsmål 4, 5 og 7, hvor I skulle klassificere forskellige komponenter – så dem vil vi lige kigge lidt på inden vi starter dagens forelæsning</a:t>
-            </a:r>
+              <a:t>I havde især problemer med spørgsmål 4, 5 og 7, hvor I skulle klassificere forskellige komponenter – så dem vil vi lige kigge lidt på inden vi starter dagens </a:t>
+            </a:r>
+            <a:r>
+              <a:rPr lang="da-DK" altLang="da-DK" sz="1600" dirty="0" smtClean="0"/>
+              <a:t>forelæsning</a:t>
+            </a:r>
+          </a:p>
+          <a:p>
+            <a:pPr lvl="1">
+              <a:spcBef>
+                <a:spcPts val="600"/>
+              </a:spcBef>
+              <a:buNone/>
+            </a:pPr>
+            <a:endParaRPr lang="da-DK" altLang="da-DK" sz="1600" dirty="0" smtClean="0"/>
+          </a:p>
+          <a:p>
+            <a:pPr marL="271463" lvl="1" indent="-271463">
+              <a:spcBef>
+                <a:spcPts val="1200"/>
+              </a:spcBef>
+              <a:buFontTx/>
+              <a:buChar char="•"/>
+            </a:pPr>
+            <a:r>
+              <a:rPr lang="da-DK" altLang="da-DK" sz="1800" b="1" dirty="0">
+                <a:solidFill>
+                  <a:srgbClr val="A50021"/>
+                </a:solidFill>
+              </a:rPr>
+              <a:t>I har klaret dronningeopgaven virkelig flot</a:t>
+            </a:r>
+          </a:p>
+          <a:p>
+            <a:pPr marL="742950" lvl="1" indent="-285750">
+              <a:spcBef>
+                <a:spcPts val="600"/>
+              </a:spcBef>
+            </a:pPr>
+            <a:r>
+              <a:rPr lang="da-DK" altLang="da-DK" sz="1600" dirty="0"/>
+              <a:t>Høj kvalitet og ingen genafleveringer</a:t>
+            </a:r>
+          </a:p>
+          <a:p>
+            <a:pPr marL="742950" lvl="1" indent="-285750">
+              <a:spcBef>
+                <a:spcPts val="600"/>
+              </a:spcBef>
+            </a:pPr>
+            <a:r>
+              <a:rPr lang="da-DK" altLang="da-DK" sz="1600" dirty="0"/>
+              <a:t>Den er en af de sværeste opgaver på kurset</a:t>
+            </a:r>
+          </a:p>
+          <a:p>
+            <a:pPr marL="742950" lvl="1" indent="-285750">
+              <a:spcBef>
+                <a:spcPts val="600"/>
+              </a:spcBef>
+            </a:pPr>
+            <a:r>
+              <a:rPr lang="da-DK" altLang="da-DK" sz="1600" dirty="0"/>
+              <a:t>Når I kan klare den, er der ingen grund til at tro, at I ikke kan klare de resterende </a:t>
+            </a:r>
+            <a:r>
+              <a:rPr lang="da-DK" altLang="da-DK" sz="1600" dirty="0" smtClean="0"/>
+              <a:t>afleveringsopgaver</a:t>
+            </a:r>
+            <a:endParaRPr lang="da-DK" altLang="da-DK" sz="1600" dirty="0"/>
           </a:p>
         </p:txBody>
       </p:sp>
@@ -5868,7 +5940,7 @@
         <p:spPr bwMode="auto">
           <a:xfrm>
             <a:off x="575555" y="1124744"/>
-            <a:ext cx="8424936" cy="5400600"/>
+            <a:ext cx="8316925" cy="5400600"/>
           </a:xfrm>
           <a:prstGeom prst="rect">
             <a:avLst/>
@@ -6031,11 +6103,116 @@
             </a:lvl9pPr>
           </a:lstStyle>
           <a:p>
+            <a:pPr marL="271463" indent="-271463">
+              <a:spcBef>
+                <a:spcPts val="1200"/>
+              </a:spcBef>
+            </a:pPr>
+            <a:r>
+              <a:rPr lang="da-DK" sz="1800" dirty="0" smtClean="0"/>
+              <a:t>Raflebæger </a:t>
+            </a:r>
+            <a:r>
+              <a:rPr lang="da-DK" sz="1800" dirty="0"/>
+              <a:t>4 og computerspilsopgaverne er (i lighed med Dronningeopgaven) noget større end </a:t>
+            </a:r>
+            <a:r>
+              <a:rPr lang="da-DK" sz="1800" dirty="0" smtClean="0"/>
+              <a:t>opgaverne </a:t>
+            </a:r>
+            <a:r>
+              <a:rPr lang="da-DK" sz="1800" dirty="0"/>
+              <a:t>fra kursets første halvdel (men ikke væsentligt sværere)</a:t>
+            </a:r>
+          </a:p>
+          <a:p>
+            <a:pPr marL="728663" lvl="1" indent="-271463">
+              <a:spcBef>
+                <a:spcPts val="600"/>
+              </a:spcBef>
+            </a:pPr>
+            <a:r>
+              <a:rPr lang="da-DK" sz="1600" dirty="0" smtClean="0"/>
+              <a:t>Det </a:t>
+            </a:r>
+            <a:r>
+              <a:rPr lang="da-DK" sz="1600" dirty="0"/>
+              <a:t>er derfor vigtigt, at I kommer tidligt i gang, og at I ikke har gamle genafleveringer, der hænger fra tidligere uger</a:t>
+            </a:r>
+          </a:p>
+          <a:p>
+            <a:pPr marL="728663" lvl="1" indent="-271463">
+              <a:spcBef>
+                <a:spcPts val="600"/>
+              </a:spcBef>
+            </a:pPr>
+            <a:r>
+              <a:rPr lang="da-DK" sz="1600" dirty="0"/>
+              <a:t>Computerspil 2 er normalt den, der tager længst tid</a:t>
+            </a:r>
+          </a:p>
+          <a:p>
+            <a:pPr marL="728663" lvl="1" indent="-271463">
+              <a:spcBef>
+                <a:spcPts val="600"/>
+              </a:spcBef>
+            </a:pPr>
+            <a:r>
+              <a:rPr lang="da-DK" altLang="da-DK" sz="1600" b="1" dirty="0">
+                <a:solidFill>
+                  <a:srgbClr val="008000"/>
+                </a:solidFill>
+              </a:rPr>
+              <a:t>Læs opgaveformuleringen omhyggeligt (gerne flere gange)</a:t>
+            </a:r>
+          </a:p>
+          <a:p>
+            <a:pPr marL="742950" lvl="1" indent="-285750">
+              <a:spcBef>
+                <a:spcPts val="600"/>
+              </a:spcBef>
+            </a:pPr>
+            <a:r>
+              <a:rPr lang="da-DK" altLang="da-DK" sz="1600" dirty="0"/>
+              <a:t>Mange fejl skyldes, at man misforstår eller overser ting, der står i den</a:t>
+            </a:r>
+          </a:p>
+          <a:p>
+            <a:pPr marL="742950" lvl="1" indent="-285750">
+              <a:spcBef>
+                <a:spcPts val="600"/>
+              </a:spcBef>
+            </a:pPr>
+            <a:r>
+              <a:rPr lang="da-DK" sz="1600" dirty="0"/>
+              <a:t>Husk at I kan få hjælp via </a:t>
+            </a:r>
+            <a:r>
+              <a:rPr lang="da-DK" sz="1600" dirty="0" smtClean="0"/>
+              <a:t>diskussionsforummet </a:t>
+            </a:r>
+            <a:r>
+              <a:rPr lang="da-DK" sz="1600" dirty="0"/>
+              <a:t>og i </a:t>
+            </a:r>
+            <a:r>
+              <a:rPr lang="da-DK" sz="1600" dirty="0" smtClean="0"/>
+              <a:t>studiecaféen</a:t>
+            </a:r>
+          </a:p>
+          <a:p>
+            <a:pPr marL="742950" lvl="1" indent="-285750">
+              <a:spcBef>
+                <a:spcPts val="600"/>
+              </a:spcBef>
+            </a:pPr>
+            <a:endParaRPr lang="da-DK" sz="1600" dirty="0" smtClean="0"/>
+          </a:p>
+          <a:p>
             <a:pPr marL="271463" lvl="1" indent="-271463">
               <a:spcBef>
                 <a:spcPts val="1200"/>
               </a:spcBef>
-              <a:buFontTx/>
               <a:buChar char="•"/>
             </a:pPr>
             <a:r>
@@ -6044,7 +6221,39 @@
                   <a:srgbClr val="A50021"/>
                 </a:solidFill>
               </a:rPr>
-              <a:t>I har klaret dronningeopgaven virkelig flot</a:t>
+              <a:t>Før I starter på at løse Raflebæger 4, er det </a:t>
+            </a:r>
+            <a:r>
+              <a:rPr lang="da-DK" altLang="da-DK" sz="1800" b="1" dirty="0" smtClean="0">
+                <a:solidFill>
+                  <a:srgbClr val="008000"/>
+                </a:solidFill>
+              </a:rPr>
+              <a:t>meget vigtigt</a:t>
+            </a:r>
+            <a:r>
+              <a:rPr lang="da-DK" altLang="da-DK" sz="1800" b="1" dirty="0" smtClean="0">
+                <a:solidFill>
+                  <a:srgbClr val="A50021"/>
+                </a:solidFill>
+              </a:rPr>
+              <a:t>, at </a:t>
+            </a:r>
+            <a:r>
+              <a:rPr lang="da-DK" altLang="da-DK" sz="1800" b="1" dirty="0">
+                <a:solidFill>
+                  <a:srgbClr val="A50021"/>
+                </a:solidFill>
+              </a:rPr>
+              <a:t>I ser videoen om ”Regression tests” (findes under Seminar 6</a:t>
+            </a:r>
+            <a:r>
+              <a:rPr lang="da-DK" altLang="da-DK" sz="1800" b="1" dirty="0" smtClean="0">
+                <a:solidFill>
+                  <a:srgbClr val="A50021"/>
+                </a:solidFill>
+              </a:rPr>
+              <a:t>”)</a:t>
             </a:r>
           </a:p>
           <a:p>
@@ -6055,15 +6264,22 @@
             </a:pPr>
             <a:r>
               <a:rPr lang="da-DK" altLang="da-DK" sz="1600" dirty="0" smtClean="0"/>
-              <a:t>Høj </a:t>
+              <a:t>Videoen </a:t>
             </a:r>
             <a:r>
               <a:rPr lang="da-DK" altLang="da-DK" sz="1600" dirty="0"/>
-              <a:t>kvalitet og </a:t>
+              <a:t>forklarer i stor detalje, hvordan man laver regression tests </a:t>
             </a:r>
             <a:r>
               <a:rPr lang="da-DK" altLang="da-DK" sz="1600" dirty="0" smtClean="0"/>
-              <a:t>ingen genafleveringer</a:t>
+              <a:t>for</a:t>
+            </a:r>
+            <a:br>
+              <a:rPr lang="da-DK" altLang="da-DK" sz="1600" dirty="0" smtClean="0"/>
+            </a:br>
+            <a:r>
+              <a:rPr lang="da-DK" altLang="da-DK" sz="1600" dirty="0" smtClean="0"/>
+              <a:t>Raflebæger 1 projektet</a:t>
             </a:r>
             <a:endParaRPr lang="da-DK" altLang="da-DK" sz="1600" dirty="0"/>
           </a:p>
@@ -6072,148 +6288,38 @@
               <a:spcBef>
                 <a:spcPts val="600"/>
               </a:spcBef>
-              <a:buFontTx/>
-              <a:buChar char="–"/>
             </a:pPr>
             <a:r>
               <a:rPr lang="da-DK" altLang="da-DK" sz="1600" dirty="0"/>
-              <a:t>Den er en af de sværeste opgaver på </a:t>
+              <a:t>I </a:t>
             </a:r>
             <a:r>
               <a:rPr lang="da-DK" altLang="da-DK" sz="1600" dirty="0" smtClean="0"/>
-              <a:t>kurset</a:t>
-            </a:r>
-          </a:p>
-          <a:p>
-            <a:pPr marL="742950" lvl="1" indent="-285750">
-              <a:spcBef>
-                <a:spcPts val="600"/>
-              </a:spcBef>
-              <a:buFontTx/>
-              <a:buChar char="–"/>
-            </a:pPr>
+              <a:t>Raflebæger 4 opgaven </a:t>
+            </a:r>
             <a:r>
               <a:rPr lang="da-DK" altLang="da-DK" sz="1600" dirty="0"/>
-              <a:t>N</a:t>
+              <a:t>skal I så ”blot” gøre </a:t>
             </a:r>
             <a:r>
               <a:rPr lang="da-DK" altLang="da-DK" sz="1600" dirty="0" smtClean="0"/>
-              <a:t>år </a:t>
+              <a:t>noget helt lignende </a:t>
             </a:r>
             <a:r>
               <a:rPr lang="da-DK" altLang="da-DK" sz="1600" dirty="0"/>
-              <a:t>I kan klare den, er der ingen grund til at tro, at I ikke kan klare de resterende </a:t>
+              <a:t>for </a:t>
             </a:r>
             <a:r>
               <a:rPr lang="da-DK" altLang="da-DK" sz="1600" dirty="0" smtClean="0"/>
-              <a:t>afleveringsopgaver</a:t>
-            </a:r>
-            <a:endParaRPr lang="da-DK" altLang="da-DK" sz="1600" dirty="0"/>
-          </a:p>
-          <a:p>
-            <a:pPr marL="271463" indent="-271463">
-              <a:spcBef>
-                <a:spcPts val="1200"/>
-              </a:spcBef>
-            </a:pPr>
-            <a:r>
-              <a:rPr lang="da-DK" sz="1800" dirty="0"/>
-              <a:t>Raflebæger 4 og computerspilsopgaverne </a:t>
-            </a:r>
-            <a:r>
-              <a:rPr lang="da-DK" sz="1800" dirty="0"/>
-              <a:t>er </a:t>
-            </a:r>
-            <a:r>
-              <a:rPr lang="da-DK" sz="1800" dirty="0"/>
-              <a:t>(i lighed med Dronningeopgaven) noget </a:t>
-            </a:r>
-            <a:r>
-              <a:rPr lang="da-DK" sz="1800" dirty="0"/>
-              <a:t>større end </a:t>
-            </a:r>
-            <a:r>
-              <a:rPr lang="da-DK" sz="1800" dirty="0" smtClean="0"/>
-              <a:t>opgaverne </a:t>
-            </a:r>
-            <a:r>
-              <a:rPr lang="da-DK" sz="1800" dirty="0"/>
-              <a:t>fra kursets første halvdel (men ikke væsentligt sværere)</a:t>
-            </a:r>
-          </a:p>
-          <a:p>
-            <a:pPr marL="728663" lvl="1" indent="-271463">
-              <a:spcBef>
-                <a:spcPts val="600"/>
-              </a:spcBef>
-            </a:pPr>
-            <a:r>
-              <a:rPr lang="da-DK" sz="1600" dirty="0" smtClean="0"/>
-              <a:t>Det </a:t>
-            </a:r>
-            <a:r>
-              <a:rPr lang="da-DK" sz="1600" dirty="0"/>
-              <a:t>er derfor vigtigt, at I kommer tidligt i gang, og at I ikke har gamle genafleveringer, der hænger fra tidligere uger</a:t>
-            </a:r>
-          </a:p>
-          <a:p>
-            <a:pPr marL="728663" lvl="1" indent="-271463">
-              <a:spcBef>
-                <a:spcPts val="600"/>
-              </a:spcBef>
-            </a:pPr>
-            <a:r>
-              <a:rPr lang="da-DK" sz="1600" dirty="0"/>
-              <a:t>Computerspil 2 er normalt den, der tager længst tid</a:t>
-            </a:r>
-          </a:p>
-          <a:p>
-            <a:pPr marL="728663" lvl="1" indent="-271463">
-              <a:spcBef>
-                <a:spcPts val="600"/>
-              </a:spcBef>
-            </a:pPr>
-            <a:r>
-              <a:rPr lang="da-DK" altLang="da-DK" sz="1600" b="1" dirty="0">
-                <a:solidFill>
-                  <a:srgbClr val="008000"/>
-                </a:solidFill>
-              </a:rPr>
-              <a:t>Læs opgaveformuleringen omhyggeligt (gerne flere gange)</a:t>
-            </a:r>
-          </a:p>
-          <a:p>
-            <a:pPr marL="742950" lvl="1" indent="-285750">
-              <a:spcBef>
-                <a:spcPts val="600"/>
-              </a:spcBef>
-            </a:pPr>
+              <a:t>Raflebæger </a:t>
+            </a:r>
             <a:r>
               <a:rPr lang="da-DK" altLang="da-DK" sz="1600" dirty="0"/>
-              <a:t>Mange fejl skyldes, at man misforstår eller overser ting, der står i den</a:t>
-            </a:r>
-          </a:p>
-          <a:p>
-            <a:pPr marL="742950" lvl="1" indent="-285750">
-              <a:spcBef>
-                <a:spcPts val="600"/>
-              </a:spcBef>
-            </a:pPr>
-            <a:r>
-              <a:rPr lang="da-DK" sz="1600" dirty="0"/>
-              <a:t>Husk at I kan få hjælp via </a:t>
-            </a:r>
-            <a:r>
-              <a:rPr lang="da-DK" sz="1600" dirty="0" smtClean="0"/>
-              <a:t>diskussionsforummet </a:t>
-            </a:r>
-            <a:r>
-              <a:rPr lang="da-DK" sz="1600" dirty="0"/>
-              <a:t>og i </a:t>
-            </a:r>
-            <a:r>
-              <a:rPr lang="da-DK" sz="1600" dirty="0" smtClean="0"/>
-              <a:t>studiecaféen</a:t>
+              <a:t>2 og </a:t>
+            </a:r>
+            <a:r>
+              <a:rPr lang="da-DK" altLang="da-DK" sz="1600" dirty="0" smtClean="0"/>
+              <a:t>Raflebæger 3 projekterne</a:t>
             </a:r>
             <a:endParaRPr lang="da-DK" altLang="da-DK" sz="1600" dirty="0"/>
           </a:p>
